--- a/WORYNMuhely3(1).pptx
+++ b/WORYNMuhely3(1).pptx
@@ -7,7 +7,7 @@
   <p:sldIdLst>
     <p:sldId id="258" r:id="rId2"/>
     <p:sldId id="265" r:id="rId3"/>
-    <p:sldId id="266" r:id="rId4"/>
+    <p:sldId id="269" r:id="rId4"/>
     <p:sldId id="268" r:id="rId5"/>
     <p:sldId id="267" r:id="rId6"/>
   </p:sldIdLst>
@@ -271,7 +271,7 @@
           <a:p>
             <a:fld id="{4CC7B7AA-68A5-4367-9248-FD821E8A2C27}" type="datetimeFigureOut">
               <a:rPr lang="en-US" smtClean="0"/>
-              <a:t>1/15/2026</a:t>
+              <a:t>1/17/2026</a:t>
             </a:fld>
             <a:endParaRPr lang="en-US"/>
           </a:p>
@@ -469,7 +469,7 @@
           <a:p>
             <a:fld id="{4CC7B7AA-68A5-4367-9248-FD821E8A2C27}" type="datetimeFigureOut">
               <a:rPr lang="en-US" smtClean="0"/>
-              <a:t>1/15/2026</a:t>
+              <a:t>1/17/2026</a:t>
             </a:fld>
             <a:endParaRPr lang="en-US"/>
           </a:p>
@@ -677,7 +677,7 @@
           <a:p>
             <a:fld id="{4CC7B7AA-68A5-4367-9248-FD821E8A2C27}" type="datetimeFigureOut">
               <a:rPr lang="en-US" smtClean="0"/>
-              <a:t>1/15/2026</a:t>
+              <a:t>1/17/2026</a:t>
             </a:fld>
             <a:endParaRPr lang="en-US"/>
           </a:p>
@@ -875,7 +875,7 @@
           <a:p>
             <a:fld id="{4CC7B7AA-68A5-4367-9248-FD821E8A2C27}" type="datetimeFigureOut">
               <a:rPr lang="en-US" smtClean="0"/>
-              <a:t>1/15/2026</a:t>
+              <a:t>1/17/2026</a:t>
             </a:fld>
             <a:endParaRPr lang="en-US"/>
           </a:p>
@@ -1150,7 +1150,7 @@
           <a:p>
             <a:fld id="{4CC7B7AA-68A5-4367-9248-FD821E8A2C27}" type="datetimeFigureOut">
               <a:rPr lang="en-US" smtClean="0"/>
-              <a:t>1/15/2026</a:t>
+              <a:t>1/17/2026</a:t>
             </a:fld>
             <a:endParaRPr lang="en-US"/>
           </a:p>
@@ -1415,7 +1415,7 @@
           <a:p>
             <a:fld id="{4CC7B7AA-68A5-4367-9248-FD821E8A2C27}" type="datetimeFigureOut">
               <a:rPr lang="en-US" smtClean="0"/>
-              <a:t>1/15/2026</a:t>
+              <a:t>1/17/2026</a:t>
             </a:fld>
             <a:endParaRPr lang="en-US"/>
           </a:p>
@@ -1827,7 +1827,7 @@
           <a:p>
             <a:fld id="{4CC7B7AA-68A5-4367-9248-FD821E8A2C27}" type="datetimeFigureOut">
               <a:rPr lang="en-US" smtClean="0"/>
-              <a:t>1/15/2026</a:t>
+              <a:t>1/17/2026</a:t>
             </a:fld>
             <a:endParaRPr lang="en-US"/>
           </a:p>
@@ -1968,7 +1968,7 @@
           <a:p>
             <a:fld id="{4CC7B7AA-68A5-4367-9248-FD821E8A2C27}" type="datetimeFigureOut">
               <a:rPr lang="en-US" smtClean="0"/>
-              <a:t>1/15/2026</a:t>
+              <a:t>1/17/2026</a:t>
             </a:fld>
             <a:endParaRPr lang="en-US"/>
           </a:p>
@@ -2081,7 +2081,7 @@
           <a:p>
             <a:fld id="{4CC7B7AA-68A5-4367-9248-FD821E8A2C27}" type="datetimeFigureOut">
               <a:rPr lang="en-US" smtClean="0"/>
-              <a:t>1/15/2026</a:t>
+              <a:t>1/17/2026</a:t>
             </a:fld>
             <a:endParaRPr lang="en-US"/>
           </a:p>
@@ -2392,7 +2392,7 @@
           <a:p>
             <a:fld id="{4CC7B7AA-68A5-4367-9248-FD821E8A2C27}" type="datetimeFigureOut">
               <a:rPr lang="en-US" smtClean="0"/>
-              <a:t>1/15/2026</a:t>
+              <a:t>1/17/2026</a:t>
             </a:fld>
             <a:endParaRPr lang="en-US"/>
           </a:p>
@@ -2680,7 +2680,7 @@
           <a:p>
             <a:fld id="{4CC7B7AA-68A5-4367-9248-FD821E8A2C27}" type="datetimeFigureOut">
               <a:rPr lang="en-US" smtClean="0"/>
-              <a:t>1/15/2026</a:t>
+              <a:t>1/17/2026</a:t>
             </a:fld>
             <a:endParaRPr lang="en-US"/>
           </a:p>
@@ -2921,7 +2921,7 @@
           <a:p>
             <a:fld id="{4CC7B7AA-68A5-4367-9248-FD821E8A2C27}" type="datetimeFigureOut">
               <a:rPr lang="en-US" smtClean="0"/>
-              <a:t>1/15/2026</a:t>
+              <a:t>1/17/2026</a:t>
             </a:fld>
             <a:endParaRPr lang="en-US"/>
           </a:p>
@@ -3329,21 +3329,10 @@
         <a:blipFill dpi="0" rotWithShape="1">
           <a:blip r:embed="rId2">
             <a:lum/>
-            <a:extLst>
-              <a:ext uri="{BEBA8EAE-BF5A-486C-A8C5-ECC9F3942E4B}">
-                <a14:imgProps xmlns:a14="http://schemas.microsoft.com/office/drawing/2010/main">
-                  <a14:imgLayer r:embed="rId3">
-                    <a14:imgEffect>
-                      <a14:artisticPaintBrush/>
-                    </a14:imgEffect>
-                  </a14:imgLayer>
-                </a14:imgProps>
-              </a:ext>
-            </a:extLst>
           </a:blip>
           <a:srcRect/>
           <a:stretch>
-            <a:fillRect t="-12000" b="-12000"/>
+            <a:fillRect/>
           </a:stretch>
         </a:blipFill>
         <a:effectLst/>
@@ -3384,15 +3373,15 @@
           <p:nvPr/>
         </p:nvPicPr>
         <p:blipFill>
-          <a:blip r:embed="rId4"/>
+          <a:blip r:embed="rId3"/>
           <a:stretch>
             <a:fillRect/>
           </a:stretch>
         </p:blipFill>
         <p:spPr>
           <a:xfrm>
-            <a:off x="4687510" y="3429000"/>
-            <a:ext cx="2816978" cy="457410"/>
+            <a:off x="3912486" y="5919129"/>
+            <a:ext cx="4367027" cy="709101"/>
           </a:xfrm>
           <a:prstGeom prst="rect">
             <a:avLst/>
@@ -3458,15 +3447,15 @@
           <p:nvPr/>
         </p:nvPicPr>
         <p:blipFill>
-          <a:blip r:embed="rId5"/>
+          <a:blip r:embed="rId4"/>
           <a:stretch>
             <a:fillRect/>
           </a:stretch>
         </p:blipFill>
         <p:spPr>
           <a:xfrm>
-            <a:off x="10667999" y="5460256"/>
-            <a:ext cx="1166495" cy="1172001"/>
+            <a:off x="11591636" y="6292273"/>
+            <a:ext cx="473767" cy="476003"/>
           </a:xfrm>
           <a:prstGeom prst="rect">
             <a:avLst/>
@@ -3491,7 +3480,7 @@
         </p:nvSpPr>
         <p:spPr>
           <a:xfrm>
-            <a:off x="1351045" y="1568310"/>
+            <a:off x="1351045" y="2368402"/>
             <a:ext cx="9489907" cy="2455288"/>
           </a:xfrm>
           <a:prstGeom prst="rect">
@@ -3563,21 +3552,10 @@
         <a:blipFill dpi="0" rotWithShape="1">
           <a:blip r:embed="rId2">
             <a:lum/>
-            <a:extLst>
-              <a:ext uri="{BEBA8EAE-BF5A-486C-A8C5-ECC9F3942E4B}">
-                <a14:imgProps xmlns:a14="http://schemas.microsoft.com/office/drawing/2010/main">
-                  <a14:imgLayer r:embed="rId3">
-                    <a14:imgEffect>
-                      <a14:artisticPaintBrush/>
-                    </a14:imgEffect>
-                  </a14:imgLayer>
-                </a14:imgProps>
-              </a:ext>
-            </a:extLst>
           </a:blip>
           <a:srcRect/>
           <a:stretch>
-            <a:fillRect l="-9000" r="-9000"/>
+            <a:fillRect/>
           </a:stretch>
         </a:blipFill>
         <a:effectLst/>
@@ -3617,48 +3595,30 @@
         </p:nvGrpSpPr>
         <p:grpSpPr>
           <a:xfrm>
-            <a:off x="237679" y="1466080"/>
-            <a:ext cx="5218004" cy="4746973"/>
-            <a:chOff x="237679" y="1466080"/>
-            <a:chExt cx="5218004" cy="4746973"/>
+            <a:off x="6816442" y="1842654"/>
+            <a:ext cx="4752954" cy="5167746"/>
+            <a:chOff x="470204" y="1690254"/>
+            <a:chExt cx="4752954" cy="4395318"/>
           </a:xfrm>
+          <a:gradFill>
+            <a:gsLst>
+              <a:gs pos="80000">
+                <a:srgbClr val="0B2E10"/>
+              </a:gs>
+              <a:gs pos="0">
+                <a:srgbClr val="000000">
+                  <a:alpha val="0"/>
+                </a:srgbClr>
+              </a:gs>
+              <a:gs pos="100000">
+                <a:schemeClr val="accent3">
+                  <a:lumMod val="50000"/>
+                </a:schemeClr>
+              </a:gs>
+            </a:gsLst>
+            <a:lin ang="5400000" scaled="1"/>
+          </a:gradFill>
         </p:grpSpPr>
-        <p:pic>
-          <p:nvPicPr>
-            <p:cNvPr id="5" name="Picture 4" descr="A brown rectangular object with black border&#10;&#10;AI-generated content may be incorrect.">
-              <a:extLst>
-                <a:ext uri="{FF2B5EF4-FFF2-40B4-BE49-F238E27FC236}">
-                  <a16:creationId xmlns:a16="http://schemas.microsoft.com/office/drawing/2014/main" id="{AFD3608A-AFB9-7D25-2F05-2C527D01E065}"/>
-                </a:ext>
-              </a:extLst>
-            </p:cNvPr>
-            <p:cNvPicPr>
-              <a:picLocks noChangeAspect="1"/>
-            </p:cNvPicPr>
-            <p:nvPr/>
-          </p:nvPicPr>
-          <p:blipFill>
-            <a:blip r:embed="rId4">
-              <a:extLst>
-                <a:ext uri="{28A0092B-C50C-407E-A947-70E740481C1C}">
-                  <a14:useLocalDpi xmlns:a14="http://schemas.microsoft.com/office/drawing/2010/main" val="0"/>
-                </a:ext>
-              </a:extLst>
-            </a:blip>
-            <a:stretch>
-              <a:fillRect/>
-            </a:stretch>
-          </p:blipFill>
-          <p:spPr>
-            <a:xfrm flipH="1">
-              <a:off x="237679" y="1466080"/>
-              <a:ext cx="5218004" cy="4746973"/>
-            </a:xfrm>
-            <a:prstGeom prst="rect">
-              <a:avLst/>
-            </a:prstGeom>
-          </p:spPr>
-        </p:pic>
         <p:sp>
           <p:nvSpPr>
             <p:cNvPr id="8" name="Content Placeholder 2">
@@ -3681,6 +3641,7 @@
             <a:prstGeom prst="rect">
               <a:avLst/>
             </a:prstGeom>
+            <a:grpFill/>
             <a:effectLst>
               <a:outerShdw blurRad="50800" dist="38100" dir="2700000" algn="tl" rotWithShape="0">
                 <a:prstClr val="black"/>
@@ -3854,29 +3815,17 @@
               </a:lvl9pPr>
             </a:lstStyle>
             <a:p>
-              <a:pPr>
+              <a:pPr marL="0" indent="0">
                 <a:lnSpc>
                   <a:spcPct val="120000"/>
                 </a:lnSpc>
+                <a:buNone/>
               </a:pPr>
-              <a:r>
-                <a:rPr lang="hu-HU" sz="2400" b="1" dirty="0">
-                  <a:solidFill>
-                    <a:schemeClr val="accent1">
-                      <a:lumMod val="60000"/>
-                      <a:lumOff val="40000"/>
-                    </a:schemeClr>
-                  </a:solidFill>
-                  <a:latin typeface="Helvetica"/>
-                  <a:cs typeface="Helvetica"/>
-                </a:rPr>
-                <a:t>a</a:t>
-              </a:r>
-              <a:endParaRPr lang="hu-HU" sz="2400" b="1" dirty="0">
+              <a:endParaRPr lang="hu-HU" b="1" dirty="0">
                 <a:solidFill>
-                  <a:schemeClr val="accent1">
-                    <a:lumMod val="60000"/>
-                    <a:lumOff val="40000"/>
+                  <a:schemeClr val="accent3">
+                    <a:lumMod val="20000"/>
+                    <a:lumOff val="80000"/>
                   </a:schemeClr>
                 </a:solidFill>
                 <a:latin typeface="Helvetica" panose="020B0604020202020204" pitchFamily="34" charset="0"/>
@@ -3889,11 +3838,71 @@
                   <a:spcPct val="120000"/>
                 </a:lnSpc>
               </a:pPr>
-              <a:endParaRPr lang="hu-HU" sz="2400" b="1" dirty="0">
+              <a:r>
+                <a:rPr lang="hu-HU" b="1" dirty="0">
+                  <a:solidFill>
+                    <a:schemeClr val="accent3">
+                      <a:lumMod val="20000"/>
+                      <a:lumOff val="80000"/>
+                    </a:schemeClr>
+                  </a:solidFill>
+                  <a:latin typeface="Helvetica" panose="020B0604020202020204" pitchFamily="34" charset="0"/>
+                  <a:cs typeface="Helvetica" panose="020B0604020202020204" pitchFamily="34" charset="0"/>
+                </a:rPr>
+                <a:t>Főmenü háttér</a:t>
+              </a:r>
+            </a:p>
+            <a:p>
+              <a:pPr>
+                <a:lnSpc>
+                  <a:spcPct val="120000"/>
+                </a:lnSpc>
+              </a:pPr>
+              <a:r>
+                <a:rPr lang="hu-HU" b="1" dirty="0">
+                  <a:solidFill>
+                    <a:schemeClr val="accent3">
+                      <a:lumMod val="20000"/>
+                      <a:lumOff val="80000"/>
+                    </a:schemeClr>
+                  </a:solidFill>
+                  <a:latin typeface="Helvetica" panose="020B0604020202020204" pitchFamily="34" charset="0"/>
+                  <a:cs typeface="Helvetica" panose="020B0604020202020204" pitchFamily="34" charset="0"/>
+                </a:rPr>
+                <a:t>Többjátékos mód</a:t>
+              </a:r>
+            </a:p>
+            <a:p>
+              <a:pPr>
+                <a:lnSpc>
+                  <a:spcPct val="120000"/>
+                </a:lnSpc>
+              </a:pPr>
+              <a:r>
+                <a:rPr lang="hu-HU" b="1" dirty="0">
+                  <a:solidFill>
+                    <a:schemeClr val="accent3">
+                      <a:lumMod val="20000"/>
+                      <a:lumOff val="80000"/>
+                    </a:schemeClr>
+                  </a:solidFill>
+                  <a:latin typeface="Helvetica" panose="020B0604020202020204" pitchFamily="34" charset="0"/>
+                  <a:cs typeface="Helvetica" panose="020B0604020202020204" pitchFamily="34" charset="0"/>
+                </a:rPr>
+                <a:t>Főmenü</a:t>
+              </a:r>
+            </a:p>
+            <a:p>
+              <a:pPr>
+                <a:lnSpc>
+                  <a:spcPct val="120000"/>
+                </a:lnSpc>
+              </a:pPr>
+              <a:endParaRPr lang="hu-HU" b="1" dirty="0">
                 <a:solidFill>
-                  <a:schemeClr val="accent1">
-                    <a:lumMod val="60000"/>
-                    <a:lumOff val="40000"/>
+                  <a:schemeClr val="accent3">
+                    <a:lumMod val="20000"/>
+                    <a:lumOff val="80000"/>
                   </a:schemeClr>
                 </a:solidFill>
                 <a:latin typeface="Helvetica" panose="020B0604020202020204" pitchFamily="34" charset="0"/>
@@ -3918,15 +3927,19 @@
           </p:nvSpPr>
           <p:spPr>
             <a:xfrm>
-              <a:off x="470204" y="1699021"/>
-              <a:ext cx="4752954" cy="635346"/>
+              <a:off x="470204" y="1690254"/>
+              <a:ext cx="4752954" cy="655781"/>
             </a:xfrm>
             <a:prstGeom prst="rect">
               <a:avLst/>
             </a:prstGeom>
+            <a:grpFill/>
+            <a:effectLst>
+              <a:softEdge rad="31750"/>
+            </a:effectLst>
           </p:spPr>
           <p:txBody>
-            <a:bodyPr/>
+            <a:bodyPr anchor="ctr" anchorCtr="1"/>
             <a:lstStyle>
               <a:lvl1pPr marL="228600" indent="-228600" algn="l" defTabSz="914400" rtl="0" eaLnBrk="1" latinLnBrk="0" hangingPunct="1">
                 <a:lnSpc>
@@ -4096,285 +4109,17 @@
                 <a:buNone/>
               </a:pPr>
               <a:r>
-                <a:rPr lang="hu-HU" sz="3600" dirty="0">
-                  <a:solidFill>
-                    <a:srgbClr val="FFF3E7"/>
+                <a:rPr lang="hu-HU" sz="3600" b="1" dirty="0">
+                  <a:solidFill>
+                    <a:schemeClr val="bg1"/>
                   </a:solidFill>
                   <a:latin typeface="Felix Titling" panose="04060505060202020A04" pitchFamily="82" charset="0"/>
                 </a:rPr>
-                <a:t>Tervben volt</a:t>
+                <a:t>Elkészült</a:t>
               </a:r>
-              <a:endParaRPr lang="en-US" sz="3600" dirty="0">
+              <a:endParaRPr lang="en-US" sz="3600" b="1" dirty="0">
                 <a:solidFill>
-                  <a:srgbClr val="FFF3E7"/>
-                </a:solidFill>
-                <a:latin typeface="Felix Titling" panose="04060505060202020A04" pitchFamily="82" charset="0"/>
-              </a:endParaRPr>
-            </a:p>
-          </p:txBody>
-        </p:sp>
-      </p:grpSp>
-      <p:grpSp>
-        <p:nvGrpSpPr>
-          <p:cNvPr id="11" name="Group 10">
-            <a:extLst>
-              <a:ext uri="{FF2B5EF4-FFF2-40B4-BE49-F238E27FC236}">
-                <a16:creationId xmlns:a16="http://schemas.microsoft.com/office/drawing/2014/main" id="{6E84B69C-25EE-2446-43BD-D050F87A5A2F}"/>
-              </a:ext>
-            </a:extLst>
-          </p:cNvPr>
-          <p:cNvGrpSpPr/>
-          <p:nvPr/>
-        </p:nvGrpSpPr>
-        <p:grpSpPr>
-          <a:xfrm>
-            <a:off x="6724357" y="1466079"/>
-            <a:ext cx="5218004" cy="4746973"/>
-            <a:chOff x="237679" y="1466080"/>
-            <a:chExt cx="5218004" cy="4746973"/>
-          </a:xfrm>
-        </p:grpSpPr>
-        <p:pic>
-          <p:nvPicPr>
-            <p:cNvPr id="19" name="Picture 18" descr="A brown rectangular object with black border&#10;&#10;AI-generated content may be incorrect.">
-              <a:extLst>
-                <a:ext uri="{FF2B5EF4-FFF2-40B4-BE49-F238E27FC236}">
-                  <a16:creationId xmlns:a16="http://schemas.microsoft.com/office/drawing/2014/main" id="{2E281D7E-C910-3272-10A1-40338FFBA579}"/>
-                </a:ext>
-              </a:extLst>
-            </p:cNvPr>
-            <p:cNvPicPr>
-              <a:picLocks noChangeAspect="1"/>
-            </p:cNvPicPr>
-            <p:nvPr/>
-          </p:nvPicPr>
-          <p:blipFill>
-            <a:blip r:embed="rId4">
-              <a:extLst>
-                <a:ext uri="{28A0092B-C50C-407E-A947-70E740481C1C}">
-                  <a14:useLocalDpi xmlns:a14="http://schemas.microsoft.com/office/drawing/2010/main" val="0"/>
-                </a:ext>
-              </a:extLst>
-            </a:blip>
-            <a:stretch>
-              <a:fillRect/>
-            </a:stretch>
-          </p:blipFill>
-          <p:spPr>
-            <a:xfrm flipH="1">
-              <a:off x="237679" y="1466080"/>
-              <a:ext cx="5218004" cy="4746973"/>
-            </a:xfrm>
-            <a:prstGeom prst="rect">
-              <a:avLst/>
-            </a:prstGeom>
-          </p:spPr>
-        </p:pic>
-        <p:sp>
-          <p:nvSpPr>
-            <p:cNvPr id="21" name="Content Placeholder 2">
-              <a:extLst>
-                <a:ext uri="{FF2B5EF4-FFF2-40B4-BE49-F238E27FC236}">
-                  <a16:creationId xmlns:a16="http://schemas.microsoft.com/office/drawing/2014/main" id="{33643F01-C447-1AE8-9D2C-B2F1B119918D}"/>
-                </a:ext>
-              </a:extLst>
-            </p:cNvPr>
-            <p:cNvSpPr txBox="1">
-              <a:spLocks/>
-            </p:cNvSpPr>
-            <p:nvPr/>
-          </p:nvSpPr>
-          <p:spPr>
-            <a:xfrm>
-              <a:off x="470204" y="1699021"/>
-              <a:ext cx="4752954" cy="635346"/>
-            </a:xfrm>
-            <a:prstGeom prst="rect">
-              <a:avLst/>
-            </a:prstGeom>
-          </p:spPr>
-          <p:txBody>
-            <a:bodyPr/>
-            <a:lstStyle>
-              <a:lvl1pPr marL="228600" indent="-228600" algn="l" defTabSz="914400" rtl="0" eaLnBrk="1" latinLnBrk="0" hangingPunct="1">
-                <a:lnSpc>
-                  <a:spcPct val="90000"/>
-                </a:lnSpc>
-                <a:spcBef>
-                  <a:spcPts val="1000"/>
-                </a:spcBef>
-                <a:buFont typeface="Arial" panose="020B0604020202020204" pitchFamily="34" charset="0"/>
-                <a:buChar char="•"/>
-                <a:defRPr sz="2800" kern="1200">
-                  <a:solidFill>
-                    <a:schemeClr val="tx1"/>
-                  </a:solidFill>
-                  <a:latin typeface="+mn-lt"/>
-                  <a:ea typeface="+mn-ea"/>
-                  <a:cs typeface="+mn-cs"/>
-                </a:defRPr>
-              </a:lvl1pPr>
-              <a:lvl2pPr marL="685800" indent="-228600" algn="l" defTabSz="914400" rtl="0" eaLnBrk="1" latinLnBrk="0" hangingPunct="1">
-                <a:lnSpc>
-                  <a:spcPct val="90000"/>
-                </a:lnSpc>
-                <a:spcBef>
-                  <a:spcPts val="500"/>
-                </a:spcBef>
-                <a:buFont typeface="Arial" panose="020B0604020202020204" pitchFamily="34" charset="0"/>
-                <a:buChar char="•"/>
-                <a:defRPr sz="2400" kern="1200">
-                  <a:solidFill>
-                    <a:schemeClr val="tx1"/>
-                  </a:solidFill>
-                  <a:latin typeface="+mn-lt"/>
-                  <a:ea typeface="+mn-ea"/>
-                  <a:cs typeface="+mn-cs"/>
-                </a:defRPr>
-              </a:lvl2pPr>
-              <a:lvl3pPr marL="1143000" indent="-228600" algn="l" defTabSz="914400" rtl="0" eaLnBrk="1" latinLnBrk="0" hangingPunct="1">
-                <a:lnSpc>
-                  <a:spcPct val="90000"/>
-                </a:lnSpc>
-                <a:spcBef>
-                  <a:spcPts val="500"/>
-                </a:spcBef>
-                <a:buFont typeface="Arial" panose="020B0604020202020204" pitchFamily="34" charset="0"/>
-                <a:buChar char="•"/>
-                <a:defRPr sz="2000" kern="1200">
-                  <a:solidFill>
-                    <a:schemeClr val="tx1"/>
-                  </a:solidFill>
-                  <a:latin typeface="+mn-lt"/>
-                  <a:ea typeface="+mn-ea"/>
-                  <a:cs typeface="+mn-cs"/>
-                </a:defRPr>
-              </a:lvl3pPr>
-              <a:lvl4pPr marL="1600200" indent="-228600" algn="l" defTabSz="914400" rtl="0" eaLnBrk="1" latinLnBrk="0" hangingPunct="1">
-                <a:lnSpc>
-                  <a:spcPct val="90000"/>
-                </a:lnSpc>
-                <a:spcBef>
-                  <a:spcPts val="500"/>
-                </a:spcBef>
-                <a:buFont typeface="Arial" panose="020B0604020202020204" pitchFamily="34" charset="0"/>
-                <a:buChar char="•"/>
-                <a:defRPr sz="1800" kern="1200">
-                  <a:solidFill>
-                    <a:schemeClr val="tx1"/>
-                  </a:solidFill>
-                  <a:latin typeface="+mn-lt"/>
-                  <a:ea typeface="+mn-ea"/>
-                  <a:cs typeface="+mn-cs"/>
-                </a:defRPr>
-              </a:lvl4pPr>
-              <a:lvl5pPr marL="2057400" indent="-228600" algn="l" defTabSz="914400" rtl="0" eaLnBrk="1" latinLnBrk="0" hangingPunct="1">
-                <a:lnSpc>
-                  <a:spcPct val="90000"/>
-                </a:lnSpc>
-                <a:spcBef>
-                  <a:spcPts val="500"/>
-                </a:spcBef>
-                <a:buFont typeface="Arial" panose="020B0604020202020204" pitchFamily="34" charset="0"/>
-                <a:buChar char="•"/>
-                <a:defRPr sz="1800" kern="1200">
-                  <a:solidFill>
-                    <a:schemeClr val="tx1"/>
-                  </a:solidFill>
-                  <a:latin typeface="+mn-lt"/>
-                  <a:ea typeface="+mn-ea"/>
-                  <a:cs typeface="+mn-cs"/>
-                </a:defRPr>
-              </a:lvl5pPr>
-              <a:lvl6pPr marL="2514600" indent="-228600" algn="l" defTabSz="914400" rtl="0" eaLnBrk="1" latinLnBrk="0" hangingPunct="1">
-                <a:lnSpc>
-                  <a:spcPct val="90000"/>
-                </a:lnSpc>
-                <a:spcBef>
-                  <a:spcPts val="500"/>
-                </a:spcBef>
-                <a:buFont typeface="Arial" panose="020B0604020202020204" pitchFamily="34" charset="0"/>
-                <a:buChar char="•"/>
-                <a:defRPr sz="1800" kern="1200">
-                  <a:solidFill>
-                    <a:schemeClr val="tx1"/>
-                  </a:solidFill>
-                  <a:latin typeface="+mn-lt"/>
-                  <a:ea typeface="+mn-ea"/>
-                  <a:cs typeface="+mn-cs"/>
-                </a:defRPr>
-              </a:lvl6pPr>
-              <a:lvl7pPr marL="2971800" indent="-228600" algn="l" defTabSz="914400" rtl="0" eaLnBrk="1" latinLnBrk="0" hangingPunct="1">
-                <a:lnSpc>
-                  <a:spcPct val="90000"/>
-                </a:lnSpc>
-                <a:spcBef>
-                  <a:spcPts val="500"/>
-                </a:spcBef>
-                <a:buFont typeface="Arial" panose="020B0604020202020204" pitchFamily="34" charset="0"/>
-                <a:buChar char="•"/>
-                <a:defRPr sz="1800" kern="1200">
-                  <a:solidFill>
-                    <a:schemeClr val="tx1"/>
-                  </a:solidFill>
-                  <a:latin typeface="+mn-lt"/>
-                  <a:ea typeface="+mn-ea"/>
-                  <a:cs typeface="+mn-cs"/>
-                </a:defRPr>
-              </a:lvl7pPr>
-              <a:lvl8pPr marL="3429000" indent="-228600" algn="l" defTabSz="914400" rtl="0" eaLnBrk="1" latinLnBrk="0" hangingPunct="1">
-                <a:lnSpc>
-                  <a:spcPct val="90000"/>
-                </a:lnSpc>
-                <a:spcBef>
-                  <a:spcPts val="500"/>
-                </a:spcBef>
-                <a:buFont typeface="Arial" panose="020B0604020202020204" pitchFamily="34" charset="0"/>
-                <a:buChar char="•"/>
-                <a:defRPr sz="1800" kern="1200">
-                  <a:solidFill>
-                    <a:schemeClr val="tx1"/>
-                  </a:solidFill>
-                  <a:latin typeface="+mn-lt"/>
-                  <a:ea typeface="+mn-ea"/>
-                  <a:cs typeface="+mn-cs"/>
-                </a:defRPr>
-              </a:lvl8pPr>
-              <a:lvl9pPr marL="3886200" indent="-228600" algn="l" defTabSz="914400" rtl="0" eaLnBrk="1" latinLnBrk="0" hangingPunct="1">
-                <a:lnSpc>
-                  <a:spcPct val="90000"/>
-                </a:lnSpc>
-                <a:spcBef>
-                  <a:spcPts val="500"/>
-                </a:spcBef>
-                <a:buFont typeface="Arial" panose="020B0604020202020204" pitchFamily="34" charset="0"/>
-                <a:buChar char="•"/>
-                <a:defRPr sz="1800" kern="1200">
-                  <a:solidFill>
-                    <a:schemeClr val="tx1"/>
-                  </a:solidFill>
-                  <a:latin typeface="+mn-lt"/>
-                  <a:ea typeface="+mn-ea"/>
-                  <a:cs typeface="+mn-cs"/>
-                </a:defRPr>
-              </a:lvl9pPr>
-            </a:lstStyle>
-            <a:p>
-              <a:pPr marL="0" indent="0" algn="ctr">
-                <a:buNone/>
-              </a:pPr>
-              <a:r>
-                <a:rPr lang="hu-HU" sz="3600" dirty="0" err="1">
-                  <a:solidFill>
-                    <a:srgbClr val="FFF3E7"/>
-                  </a:solidFill>
-                  <a:latin typeface="Felix Titling" panose="04060505060202020A04" pitchFamily="82" charset="0"/>
-                </a:rPr>
-                <a:t>ElKészült</a:t>
-              </a:r>
-              <a:endParaRPr lang="en-US" sz="3600" dirty="0">
-                <a:solidFill>
-                  <a:srgbClr val="FFF3E7"/>
+                  <a:schemeClr val="bg1"/>
                 </a:solidFill>
                 <a:latin typeface="Felix Titling" panose="04060505060202020A04" pitchFamily="82" charset="0"/>
               </a:endParaRPr>
@@ -4630,8 +4375,8 @@
         </p:nvSpPr>
         <p:spPr>
           <a:xfrm>
-            <a:off x="237679" y="169420"/>
-            <a:ext cx="6629834" cy="923330"/>
+            <a:off x="237678" y="169420"/>
+            <a:ext cx="11751121" cy="1323439"/>
           </a:xfrm>
           <a:prstGeom prst="rect">
             <a:avLst/>
@@ -4647,8 +4392,9 @@
           </a:bodyPr>
           <a:lstStyle/>
           <a:p>
-            <a:r>
-              <a:rPr lang="hu-HU" sz="5400" dirty="0">
+            <a:pPr algn="ctr"/>
+            <a:r>
+              <a:rPr lang="hu-HU" sz="8000" b="1" dirty="0">
                 <a:solidFill>
                   <a:schemeClr val="bg1"/>
                 </a:solidFill>
@@ -4659,6 +4405,541 @@
           </a:p>
         </p:txBody>
       </p:sp>
+      <p:grpSp>
+        <p:nvGrpSpPr>
+          <p:cNvPr id="6" name="Group 5">
+            <a:extLst>
+              <a:ext uri="{FF2B5EF4-FFF2-40B4-BE49-F238E27FC236}">
+                <a16:creationId xmlns:a16="http://schemas.microsoft.com/office/drawing/2014/main" id="{7224488D-8B95-85A4-64BE-E17A758CFEBA}"/>
+              </a:ext>
+            </a:extLst>
+          </p:cNvPr>
+          <p:cNvGrpSpPr/>
+          <p:nvPr/>
+        </p:nvGrpSpPr>
+        <p:grpSpPr>
+          <a:xfrm>
+            <a:off x="622604" y="1842654"/>
+            <a:ext cx="4752954" cy="5167746"/>
+            <a:chOff x="470204" y="1690254"/>
+            <a:chExt cx="4752954" cy="4395318"/>
+          </a:xfrm>
+          <a:gradFill flip="none" rotWithShape="1">
+            <a:gsLst>
+              <a:gs pos="0">
+                <a:srgbClr val="000000">
+                  <a:alpha val="0"/>
+                </a:srgbClr>
+              </a:gs>
+              <a:gs pos="79000">
+                <a:srgbClr val="451806"/>
+              </a:gs>
+              <a:gs pos="100000">
+                <a:srgbClr val="4D1B07"/>
+              </a:gs>
+            </a:gsLst>
+            <a:lin ang="5400000" scaled="1"/>
+            <a:tileRect/>
+          </a:gradFill>
+        </p:grpSpPr>
+        <p:sp>
+          <p:nvSpPr>
+            <p:cNvPr id="7" name="Content Placeholder 2">
+              <a:extLst>
+                <a:ext uri="{FF2B5EF4-FFF2-40B4-BE49-F238E27FC236}">
+                  <a16:creationId xmlns:a16="http://schemas.microsoft.com/office/drawing/2014/main" id="{5D0A7D39-6C5B-E76E-5B43-41138532BCD3}"/>
+                </a:ext>
+              </a:extLst>
+            </p:cNvPr>
+            <p:cNvSpPr txBox="1">
+              <a:spLocks/>
+            </p:cNvSpPr>
+            <p:nvPr/>
+          </p:nvSpPr>
+          <p:spPr>
+            <a:xfrm>
+              <a:off x="470204" y="2461846"/>
+              <a:ext cx="4752954" cy="3623726"/>
+            </a:xfrm>
+            <a:prstGeom prst="rect">
+              <a:avLst/>
+            </a:prstGeom>
+            <a:grpFill/>
+            <a:effectLst>
+              <a:outerShdw blurRad="50800" dist="38100" dir="2700000" algn="tl" rotWithShape="0">
+                <a:prstClr val="black"/>
+              </a:outerShdw>
+            </a:effectLst>
+          </p:spPr>
+          <p:txBody>
+            <a:bodyPr lIns="91440" tIns="45720" rIns="91440" bIns="45720" anchor="t"/>
+            <a:lstStyle>
+              <a:lvl1pPr marL="228600" indent="-228600" algn="l" defTabSz="914400" rtl="0" eaLnBrk="1" latinLnBrk="0" hangingPunct="1">
+                <a:lnSpc>
+                  <a:spcPct val="90000"/>
+                </a:lnSpc>
+                <a:spcBef>
+                  <a:spcPts val="1000"/>
+                </a:spcBef>
+                <a:buFont typeface="Arial" panose="020B0604020202020204" pitchFamily="34" charset="0"/>
+                <a:buChar char="•"/>
+                <a:defRPr sz="2800" kern="1200">
+                  <a:solidFill>
+                    <a:schemeClr val="tx1"/>
+                  </a:solidFill>
+                  <a:latin typeface="+mn-lt"/>
+                  <a:ea typeface="+mn-ea"/>
+                  <a:cs typeface="+mn-cs"/>
+                </a:defRPr>
+              </a:lvl1pPr>
+              <a:lvl2pPr marL="685800" indent="-228600" algn="l" defTabSz="914400" rtl="0" eaLnBrk="1" latinLnBrk="0" hangingPunct="1">
+                <a:lnSpc>
+                  <a:spcPct val="90000"/>
+                </a:lnSpc>
+                <a:spcBef>
+                  <a:spcPts val="500"/>
+                </a:spcBef>
+                <a:buFont typeface="Arial" panose="020B0604020202020204" pitchFamily="34" charset="0"/>
+                <a:buChar char="•"/>
+                <a:defRPr sz="2400" kern="1200">
+                  <a:solidFill>
+                    <a:schemeClr val="tx1"/>
+                  </a:solidFill>
+                  <a:latin typeface="+mn-lt"/>
+                  <a:ea typeface="+mn-ea"/>
+                  <a:cs typeface="+mn-cs"/>
+                </a:defRPr>
+              </a:lvl2pPr>
+              <a:lvl3pPr marL="1143000" indent="-228600" algn="l" defTabSz="914400" rtl="0" eaLnBrk="1" latinLnBrk="0" hangingPunct="1">
+                <a:lnSpc>
+                  <a:spcPct val="90000"/>
+                </a:lnSpc>
+                <a:spcBef>
+                  <a:spcPts val="500"/>
+                </a:spcBef>
+                <a:buFont typeface="Arial" panose="020B0604020202020204" pitchFamily="34" charset="0"/>
+                <a:buChar char="•"/>
+                <a:defRPr sz="2000" kern="1200">
+                  <a:solidFill>
+                    <a:schemeClr val="tx1"/>
+                  </a:solidFill>
+                  <a:latin typeface="+mn-lt"/>
+                  <a:ea typeface="+mn-ea"/>
+                  <a:cs typeface="+mn-cs"/>
+                </a:defRPr>
+              </a:lvl3pPr>
+              <a:lvl4pPr marL="1600200" indent="-228600" algn="l" defTabSz="914400" rtl="0" eaLnBrk="1" latinLnBrk="0" hangingPunct="1">
+                <a:lnSpc>
+                  <a:spcPct val="90000"/>
+                </a:lnSpc>
+                <a:spcBef>
+                  <a:spcPts val="500"/>
+                </a:spcBef>
+                <a:buFont typeface="Arial" panose="020B0604020202020204" pitchFamily="34" charset="0"/>
+                <a:buChar char="•"/>
+                <a:defRPr sz="1800" kern="1200">
+                  <a:solidFill>
+                    <a:schemeClr val="tx1"/>
+                  </a:solidFill>
+                  <a:latin typeface="+mn-lt"/>
+                  <a:ea typeface="+mn-ea"/>
+                  <a:cs typeface="+mn-cs"/>
+                </a:defRPr>
+              </a:lvl4pPr>
+              <a:lvl5pPr marL="2057400" indent="-228600" algn="l" defTabSz="914400" rtl="0" eaLnBrk="1" latinLnBrk="0" hangingPunct="1">
+                <a:lnSpc>
+                  <a:spcPct val="90000"/>
+                </a:lnSpc>
+                <a:spcBef>
+                  <a:spcPts val="500"/>
+                </a:spcBef>
+                <a:buFont typeface="Arial" panose="020B0604020202020204" pitchFamily="34" charset="0"/>
+                <a:buChar char="•"/>
+                <a:defRPr sz="1800" kern="1200">
+                  <a:solidFill>
+                    <a:schemeClr val="tx1"/>
+                  </a:solidFill>
+                  <a:latin typeface="+mn-lt"/>
+                  <a:ea typeface="+mn-ea"/>
+                  <a:cs typeface="+mn-cs"/>
+                </a:defRPr>
+              </a:lvl5pPr>
+              <a:lvl6pPr marL="2514600" indent="-228600" algn="l" defTabSz="914400" rtl="0" eaLnBrk="1" latinLnBrk="0" hangingPunct="1">
+                <a:lnSpc>
+                  <a:spcPct val="90000"/>
+                </a:lnSpc>
+                <a:spcBef>
+                  <a:spcPts val="500"/>
+                </a:spcBef>
+                <a:buFont typeface="Arial" panose="020B0604020202020204" pitchFamily="34" charset="0"/>
+                <a:buChar char="•"/>
+                <a:defRPr sz="1800" kern="1200">
+                  <a:solidFill>
+                    <a:schemeClr val="tx1"/>
+                  </a:solidFill>
+                  <a:latin typeface="+mn-lt"/>
+                  <a:ea typeface="+mn-ea"/>
+                  <a:cs typeface="+mn-cs"/>
+                </a:defRPr>
+              </a:lvl6pPr>
+              <a:lvl7pPr marL="2971800" indent="-228600" algn="l" defTabSz="914400" rtl="0" eaLnBrk="1" latinLnBrk="0" hangingPunct="1">
+                <a:lnSpc>
+                  <a:spcPct val="90000"/>
+                </a:lnSpc>
+                <a:spcBef>
+                  <a:spcPts val="500"/>
+                </a:spcBef>
+                <a:buFont typeface="Arial" panose="020B0604020202020204" pitchFamily="34" charset="0"/>
+                <a:buChar char="•"/>
+                <a:defRPr sz="1800" kern="1200">
+                  <a:solidFill>
+                    <a:schemeClr val="tx1"/>
+                  </a:solidFill>
+                  <a:latin typeface="+mn-lt"/>
+                  <a:ea typeface="+mn-ea"/>
+                  <a:cs typeface="+mn-cs"/>
+                </a:defRPr>
+              </a:lvl7pPr>
+              <a:lvl8pPr marL="3429000" indent="-228600" algn="l" defTabSz="914400" rtl="0" eaLnBrk="1" latinLnBrk="0" hangingPunct="1">
+                <a:lnSpc>
+                  <a:spcPct val="90000"/>
+                </a:lnSpc>
+                <a:spcBef>
+                  <a:spcPts val="500"/>
+                </a:spcBef>
+                <a:buFont typeface="Arial" panose="020B0604020202020204" pitchFamily="34" charset="0"/>
+                <a:buChar char="•"/>
+                <a:defRPr sz="1800" kern="1200">
+                  <a:solidFill>
+                    <a:schemeClr val="tx1"/>
+                  </a:solidFill>
+                  <a:latin typeface="+mn-lt"/>
+                  <a:ea typeface="+mn-ea"/>
+                  <a:cs typeface="+mn-cs"/>
+                </a:defRPr>
+              </a:lvl8pPr>
+              <a:lvl9pPr marL="3886200" indent="-228600" algn="l" defTabSz="914400" rtl="0" eaLnBrk="1" latinLnBrk="0" hangingPunct="1">
+                <a:lnSpc>
+                  <a:spcPct val="90000"/>
+                </a:lnSpc>
+                <a:spcBef>
+                  <a:spcPts val="500"/>
+                </a:spcBef>
+                <a:buFont typeface="Arial" panose="020B0604020202020204" pitchFamily="34" charset="0"/>
+                <a:buChar char="•"/>
+                <a:defRPr sz="1800" kern="1200">
+                  <a:solidFill>
+                    <a:schemeClr val="tx1"/>
+                  </a:solidFill>
+                  <a:latin typeface="+mn-lt"/>
+                  <a:ea typeface="+mn-ea"/>
+                  <a:cs typeface="+mn-cs"/>
+                </a:defRPr>
+              </a:lvl9pPr>
+            </a:lstStyle>
+            <a:p>
+              <a:pPr>
+                <a:lnSpc>
+                  <a:spcPct val="120000"/>
+                </a:lnSpc>
+              </a:pPr>
+              <a:endParaRPr lang="hu-HU" b="1" dirty="0">
+                <a:solidFill>
+                  <a:schemeClr val="accent1">
+                    <a:lumMod val="60000"/>
+                    <a:lumOff val="40000"/>
+                  </a:schemeClr>
+                </a:solidFill>
+                <a:latin typeface="Helvetica" panose="020B0604020202020204" pitchFamily="34" charset="0"/>
+                <a:cs typeface="Helvetica" panose="020B0604020202020204" pitchFamily="34" charset="0"/>
+              </a:endParaRPr>
+            </a:p>
+            <a:p>
+              <a:pPr>
+                <a:lnSpc>
+                  <a:spcPct val="120000"/>
+                </a:lnSpc>
+              </a:pPr>
+              <a:r>
+                <a:rPr lang="hu-HU" b="1" dirty="0">
+                  <a:solidFill>
+                    <a:srgbClr val="FFC671"/>
+                  </a:solidFill>
+                  <a:latin typeface="Helvetica" panose="020B0604020202020204" pitchFamily="34" charset="0"/>
+                  <a:cs typeface="Helvetica" panose="020B0604020202020204" pitchFamily="34" charset="0"/>
+                </a:rPr>
+                <a:t>UI fejlesztések</a:t>
+              </a:r>
+            </a:p>
+            <a:p>
+              <a:pPr>
+                <a:lnSpc>
+                  <a:spcPct val="120000"/>
+                </a:lnSpc>
+              </a:pPr>
+              <a:r>
+                <a:rPr lang="hu-HU" b="1" dirty="0">
+                  <a:solidFill>
+                    <a:srgbClr val="FFC671"/>
+                  </a:solidFill>
+                  <a:latin typeface="Helvetica" panose="020B0604020202020204" pitchFamily="34" charset="0"/>
+                  <a:cs typeface="Helvetica" panose="020B0604020202020204" pitchFamily="34" charset="0"/>
+                </a:rPr>
+                <a:t>Főmenü háttér</a:t>
+              </a:r>
+            </a:p>
+            <a:p>
+              <a:pPr>
+                <a:lnSpc>
+                  <a:spcPct val="120000"/>
+                </a:lnSpc>
+              </a:pPr>
+              <a:r>
+                <a:rPr lang="hu-HU" b="1" dirty="0">
+                  <a:solidFill>
+                    <a:srgbClr val="FFC671"/>
+                  </a:solidFill>
+                  <a:latin typeface="Helvetica" panose="020B0604020202020204" pitchFamily="34" charset="0"/>
+                  <a:cs typeface="Helvetica" panose="020B0604020202020204" pitchFamily="34" charset="0"/>
+                </a:rPr>
+                <a:t>Többjátékos mód</a:t>
+              </a:r>
+            </a:p>
+            <a:p>
+              <a:pPr>
+                <a:lnSpc>
+                  <a:spcPct val="120000"/>
+                </a:lnSpc>
+              </a:pPr>
+              <a:r>
+                <a:rPr lang="hu-HU" b="1" dirty="0">
+                  <a:solidFill>
+                    <a:srgbClr val="FFC671"/>
+                  </a:solidFill>
+                  <a:latin typeface="Helvetica" panose="020B0604020202020204" pitchFamily="34" charset="0"/>
+                  <a:cs typeface="Helvetica" panose="020B0604020202020204" pitchFamily="34" charset="0"/>
+                </a:rPr>
+                <a:t>Főmenü</a:t>
+              </a:r>
+            </a:p>
+          </p:txBody>
+        </p:sp>
+        <p:sp>
+          <p:nvSpPr>
+            <p:cNvPr id="12" name="Content Placeholder 2">
+              <a:extLst>
+                <a:ext uri="{FF2B5EF4-FFF2-40B4-BE49-F238E27FC236}">
+                  <a16:creationId xmlns:a16="http://schemas.microsoft.com/office/drawing/2014/main" id="{3B7349E7-0222-6478-1542-6BE20C4D87BB}"/>
+                </a:ext>
+              </a:extLst>
+            </p:cNvPr>
+            <p:cNvSpPr txBox="1">
+              <a:spLocks/>
+            </p:cNvSpPr>
+            <p:nvPr/>
+          </p:nvSpPr>
+          <p:spPr>
+            <a:xfrm>
+              <a:off x="470204" y="1690254"/>
+              <a:ext cx="4752954" cy="655781"/>
+            </a:xfrm>
+            <a:prstGeom prst="rect">
+              <a:avLst/>
+            </a:prstGeom>
+            <a:grpFill/>
+            <a:effectLst>
+              <a:softEdge rad="31750"/>
+            </a:effectLst>
+          </p:spPr>
+          <p:txBody>
+            <a:bodyPr anchor="ctr" anchorCtr="1"/>
+            <a:lstStyle>
+              <a:lvl1pPr marL="228600" indent="-228600" algn="l" defTabSz="914400" rtl="0" eaLnBrk="1" latinLnBrk="0" hangingPunct="1">
+                <a:lnSpc>
+                  <a:spcPct val="90000"/>
+                </a:lnSpc>
+                <a:spcBef>
+                  <a:spcPts val="1000"/>
+                </a:spcBef>
+                <a:buFont typeface="Arial" panose="020B0604020202020204" pitchFamily="34" charset="0"/>
+                <a:buChar char="•"/>
+                <a:defRPr sz="2800" kern="1200">
+                  <a:solidFill>
+                    <a:schemeClr val="tx1"/>
+                  </a:solidFill>
+                  <a:latin typeface="+mn-lt"/>
+                  <a:ea typeface="+mn-ea"/>
+                  <a:cs typeface="+mn-cs"/>
+                </a:defRPr>
+              </a:lvl1pPr>
+              <a:lvl2pPr marL="685800" indent="-228600" algn="l" defTabSz="914400" rtl="0" eaLnBrk="1" latinLnBrk="0" hangingPunct="1">
+                <a:lnSpc>
+                  <a:spcPct val="90000"/>
+                </a:lnSpc>
+                <a:spcBef>
+                  <a:spcPts val="500"/>
+                </a:spcBef>
+                <a:buFont typeface="Arial" panose="020B0604020202020204" pitchFamily="34" charset="0"/>
+                <a:buChar char="•"/>
+                <a:defRPr sz="2400" kern="1200">
+                  <a:solidFill>
+                    <a:schemeClr val="tx1"/>
+                  </a:solidFill>
+                  <a:latin typeface="+mn-lt"/>
+                  <a:ea typeface="+mn-ea"/>
+                  <a:cs typeface="+mn-cs"/>
+                </a:defRPr>
+              </a:lvl2pPr>
+              <a:lvl3pPr marL="1143000" indent="-228600" algn="l" defTabSz="914400" rtl="0" eaLnBrk="1" latinLnBrk="0" hangingPunct="1">
+                <a:lnSpc>
+                  <a:spcPct val="90000"/>
+                </a:lnSpc>
+                <a:spcBef>
+                  <a:spcPts val="500"/>
+                </a:spcBef>
+                <a:buFont typeface="Arial" panose="020B0604020202020204" pitchFamily="34" charset="0"/>
+                <a:buChar char="•"/>
+                <a:defRPr sz="2000" kern="1200">
+                  <a:solidFill>
+                    <a:schemeClr val="tx1"/>
+                  </a:solidFill>
+                  <a:latin typeface="+mn-lt"/>
+                  <a:ea typeface="+mn-ea"/>
+                  <a:cs typeface="+mn-cs"/>
+                </a:defRPr>
+              </a:lvl3pPr>
+              <a:lvl4pPr marL="1600200" indent="-228600" algn="l" defTabSz="914400" rtl="0" eaLnBrk="1" latinLnBrk="0" hangingPunct="1">
+                <a:lnSpc>
+                  <a:spcPct val="90000"/>
+                </a:lnSpc>
+                <a:spcBef>
+                  <a:spcPts val="500"/>
+                </a:spcBef>
+                <a:buFont typeface="Arial" panose="020B0604020202020204" pitchFamily="34" charset="0"/>
+                <a:buChar char="•"/>
+                <a:defRPr sz="1800" kern="1200">
+                  <a:solidFill>
+                    <a:schemeClr val="tx1"/>
+                  </a:solidFill>
+                  <a:latin typeface="+mn-lt"/>
+                  <a:ea typeface="+mn-ea"/>
+                  <a:cs typeface="+mn-cs"/>
+                </a:defRPr>
+              </a:lvl4pPr>
+              <a:lvl5pPr marL="2057400" indent="-228600" algn="l" defTabSz="914400" rtl="0" eaLnBrk="1" latinLnBrk="0" hangingPunct="1">
+                <a:lnSpc>
+                  <a:spcPct val="90000"/>
+                </a:lnSpc>
+                <a:spcBef>
+                  <a:spcPts val="500"/>
+                </a:spcBef>
+                <a:buFont typeface="Arial" panose="020B0604020202020204" pitchFamily="34" charset="0"/>
+                <a:buChar char="•"/>
+                <a:defRPr sz="1800" kern="1200">
+                  <a:solidFill>
+                    <a:schemeClr val="tx1"/>
+                  </a:solidFill>
+                  <a:latin typeface="+mn-lt"/>
+                  <a:ea typeface="+mn-ea"/>
+                  <a:cs typeface="+mn-cs"/>
+                </a:defRPr>
+              </a:lvl5pPr>
+              <a:lvl6pPr marL="2514600" indent="-228600" algn="l" defTabSz="914400" rtl="0" eaLnBrk="1" latinLnBrk="0" hangingPunct="1">
+                <a:lnSpc>
+                  <a:spcPct val="90000"/>
+                </a:lnSpc>
+                <a:spcBef>
+                  <a:spcPts val="500"/>
+                </a:spcBef>
+                <a:buFont typeface="Arial" panose="020B0604020202020204" pitchFamily="34" charset="0"/>
+                <a:buChar char="•"/>
+                <a:defRPr sz="1800" kern="1200">
+                  <a:solidFill>
+                    <a:schemeClr val="tx1"/>
+                  </a:solidFill>
+                  <a:latin typeface="+mn-lt"/>
+                  <a:ea typeface="+mn-ea"/>
+                  <a:cs typeface="+mn-cs"/>
+                </a:defRPr>
+              </a:lvl6pPr>
+              <a:lvl7pPr marL="2971800" indent="-228600" algn="l" defTabSz="914400" rtl="0" eaLnBrk="1" latinLnBrk="0" hangingPunct="1">
+                <a:lnSpc>
+                  <a:spcPct val="90000"/>
+                </a:lnSpc>
+                <a:spcBef>
+                  <a:spcPts val="500"/>
+                </a:spcBef>
+                <a:buFont typeface="Arial" panose="020B0604020202020204" pitchFamily="34" charset="0"/>
+                <a:buChar char="•"/>
+                <a:defRPr sz="1800" kern="1200">
+                  <a:solidFill>
+                    <a:schemeClr val="tx1"/>
+                  </a:solidFill>
+                  <a:latin typeface="+mn-lt"/>
+                  <a:ea typeface="+mn-ea"/>
+                  <a:cs typeface="+mn-cs"/>
+                </a:defRPr>
+              </a:lvl7pPr>
+              <a:lvl8pPr marL="3429000" indent="-228600" algn="l" defTabSz="914400" rtl="0" eaLnBrk="1" latinLnBrk="0" hangingPunct="1">
+                <a:lnSpc>
+                  <a:spcPct val="90000"/>
+                </a:lnSpc>
+                <a:spcBef>
+                  <a:spcPts val="500"/>
+                </a:spcBef>
+                <a:buFont typeface="Arial" panose="020B0604020202020204" pitchFamily="34" charset="0"/>
+                <a:buChar char="•"/>
+                <a:defRPr sz="1800" kern="1200">
+                  <a:solidFill>
+                    <a:schemeClr val="tx1"/>
+                  </a:solidFill>
+                  <a:latin typeface="+mn-lt"/>
+                  <a:ea typeface="+mn-ea"/>
+                  <a:cs typeface="+mn-cs"/>
+                </a:defRPr>
+              </a:lvl8pPr>
+              <a:lvl9pPr marL="3886200" indent="-228600" algn="l" defTabSz="914400" rtl="0" eaLnBrk="1" latinLnBrk="0" hangingPunct="1">
+                <a:lnSpc>
+                  <a:spcPct val="90000"/>
+                </a:lnSpc>
+                <a:spcBef>
+                  <a:spcPts val="500"/>
+                </a:spcBef>
+                <a:buFont typeface="Arial" panose="020B0604020202020204" pitchFamily="34" charset="0"/>
+                <a:buChar char="•"/>
+                <a:defRPr sz="1800" kern="1200">
+                  <a:solidFill>
+                    <a:schemeClr val="tx1"/>
+                  </a:solidFill>
+                  <a:latin typeface="+mn-lt"/>
+                  <a:ea typeface="+mn-ea"/>
+                  <a:cs typeface="+mn-cs"/>
+                </a:defRPr>
+              </a:lvl9pPr>
+            </a:lstStyle>
+            <a:p>
+              <a:pPr marL="0" indent="0" algn="ctr">
+                <a:buNone/>
+              </a:pPr>
+              <a:r>
+                <a:rPr lang="hu-HU" sz="3600" b="1" dirty="0">
+                  <a:solidFill>
+                    <a:schemeClr val="bg1"/>
+                  </a:solidFill>
+                  <a:latin typeface="Felix Titling" panose="04060505060202020A04" pitchFamily="82" charset="0"/>
+                </a:rPr>
+                <a:t>Tervben volt</a:t>
+              </a:r>
+              <a:endParaRPr lang="en-US" sz="3600" b="1" dirty="0">
+                <a:solidFill>
+                  <a:schemeClr val="bg1"/>
+                </a:solidFill>
+                <a:latin typeface="Felix Titling" panose="04060505060202020A04" pitchFamily="82" charset="0"/>
+              </a:endParaRPr>
+            </a:p>
+          </p:txBody>
+        </p:sp>
+      </p:grpSp>
     </p:spTree>
     <p:extLst>
       <p:ext uri="{BB962C8B-B14F-4D97-AF65-F5344CB8AC3E}">
@@ -4680,21 +4961,10 @@
         <a:blipFill dpi="0" rotWithShape="1">
           <a:blip r:embed="rId2">
             <a:lum/>
-            <a:extLst>
-              <a:ext uri="{BEBA8EAE-BF5A-486C-A8C5-ECC9F3942E4B}">
-                <a14:imgProps xmlns:a14="http://schemas.microsoft.com/office/drawing/2010/main">
-                  <a14:imgLayer r:embed="rId3">
-                    <a14:imgEffect>
-                      <a14:artisticPaintBrush/>
-                    </a14:imgEffect>
-                  </a14:imgLayer>
-                </a14:imgProps>
-              </a:ext>
-            </a:extLst>
           </a:blip>
           <a:srcRect/>
           <a:stretch>
-            <a:fillRect l="-9000" r="-9000"/>
+            <a:fillRect t="-7000" b="-7000"/>
           </a:stretch>
         </a:blipFill>
         <a:effectLst/>
@@ -4705,7 +4975,7 @@
         <p:cNvPr id="1" name="">
           <a:extLst>
             <a:ext uri="{FF2B5EF4-FFF2-40B4-BE49-F238E27FC236}">
-              <a16:creationId xmlns:a16="http://schemas.microsoft.com/office/drawing/2014/main" id="{9E716FF5-F12C-1219-9EF7-E83DA511F47E}"/>
+              <a16:creationId xmlns:a16="http://schemas.microsoft.com/office/drawing/2014/main" id="{B7517795-679D-0360-28BE-24005A1877DC}"/>
             </a:ext>
           </a:extLst>
         </p:cNvPr>
@@ -4720,12 +4990,56 @@
           <a:chExt cx="0" cy="0"/>
         </a:xfrm>
       </p:grpSpPr>
+      <p:sp>
+        <p:nvSpPr>
+          <p:cNvPr id="23" name="Szövegdoboz 15">
+            <a:extLst>
+              <a:ext uri="{FF2B5EF4-FFF2-40B4-BE49-F238E27FC236}">
+                <a16:creationId xmlns:a16="http://schemas.microsoft.com/office/drawing/2014/main" id="{C261BFBC-51E3-4D57-438C-DE6C8DBF228C}"/>
+              </a:ext>
+            </a:extLst>
+          </p:cNvPr>
+          <p:cNvSpPr txBox="1"/>
+          <p:nvPr/>
+        </p:nvSpPr>
+        <p:spPr>
+          <a:xfrm>
+            <a:off x="237678" y="169420"/>
+            <a:ext cx="11751121" cy="1323439"/>
+          </a:xfrm>
+          <a:prstGeom prst="rect">
+            <a:avLst/>
+          </a:prstGeom>
+          <a:noFill/>
+        </p:spPr>
+        <p:txBody>
+          <a:bodyPr rot="0" spcFirstLastPara="0" vertOverflow="overflow" horzOverflow="overflow" vert="horz" wrap="square" lIns="91440" tIns="45720" rIns="91440" bIns="45720" numCol="1" spcCol="0" rtlCol="0" fromWordArt="0" anchor="t" anchorCtr="0" forceAA="0" compatLnSpc="1">
+            <a:prstTxWarp prst="textNoShape">
+              <a:avLst/>
+            </a:prstTxWarp>
+            <a:spAutoFit/>
+          </a:bodyPr>
+          <a:lstStyle/>
+          <a:p>
+            <a:pPr algn="ctr"/>
+            <a:r>
+              <a:rPr lang="hu-HU" sz="8000" b="1" dirty="0">
+                <a:solidFill>
+                  <a:schemeClr val="bg1"/>
+                </a:solidFill>
+                <a:latin typeface="Colonna MT" panose="04020805060202030203" pitchFamily="82" charset="0"/>
+              </a:rPr>
+              <a:t>Terveink</a:t>
+            </a:r>
+          </a:p>
+        </p:txBody>
+      </p:sp>
       <p:grpSp>
         <p:nvGrpSpPr>
-          <p:cNvPr id="10" name="Group 9">
-            <a:extLst>
-              <a:ext uri="{FF2B5EF4-FFF2-40B4-BE49-F238E27FC236}">
-                <a16:creationId xmlns:a16="http://schemas.microsoft.com/office/drawing/2014/main" id="{BCCC2528-BBBD-6263-655B-74584151DF98}"/>
+          <p:cNvPr id="6" name="Group 5">
+            <a:extLst>
+              <a:ext uri="{FF2B5EF4-FFF2-40B4-BE49-F238E27FC236}">
+                <a16:creationId xmlns:a16="http://schemas.microsoft.com/office/drawing/2014/main" id="{C9F03160-EDA2-23AA-9CB2-BA92EF052DDA}"/>
               </a:ext>
             </a:extLst>
           </p:cNvPr>
@@ -4734,54 +5048,37 @@
         </p:nvGrpSpPr>
         <p:grpSpPr>
           <a:xfrm>
-            <a:off x="1091419" y="1397170"/>
-            <a:ext cx="10009162" cy="4746973"/>
-            <a:chOff x="237679" y="1459046"/>
-            <a:chExt cx="5218004" cy="4746973"/>
+            <a:off x="622603" y="1842654"/>
+            <a:ext cx="10876669" cy="5167746"/>
+            <a:chOff x="470204" y="1690254"/>
+            <a:chExt cx="4752954" cy="4395318"/>
           </a:xfrm>
+          <a:gradFill flip="none" rotWithShape="1">
+            <a:gsLst>
+              <a:gs pos="75000">
+                <a:srgbClr val="092836"/>
+              </a:gs>
+              <a:gs pos="0">
+                <a:srgbClr val="000000">
+                  <a:alpha val="0"/>
+                </a:srgbClr>
+              </a:gs>
+              <a:gs pos="100000">
+                <a:schemeClr val="accent1">
+                  <a:lumMod val="50000"/>
+                </a:schemeClr>
+              </a:gs>
+            </a:gsLst>
+            <a:lin ang="5400000" scaled="1"/>
+            <a:tileRect/>
+          </a:gradFill>
         </p:grpSpPr>
-        <p:pic>
-          <p:nvPicPr>
-            <p:cNvPr id="5" name="Picture 4" descr="A brown rectangular object with black border&#10;&#10;AI-generated content may be incorrect.">
+        <p:sp>
+          <p:nvSpPr>
+            <p:cNvPr id="7" name="Content Placeholder 2">
               <a:extLst>
                 <a:ext uri="{FF2B5EF4-FFF2-40B4-BE49-F238E27FC236}">
-                  <a16:creationId xmlns:a16="http://schemas.microsoft.com/office/drawing/2014/main" id="{35184E38-B6A7-B4BA-30F2-A379A32E15A3}"/>
-                </a:ext>
-              </a:extLst>
-            </p:cNvPr>
-            <p:cNvPicPr>
-              <a:picLocks noChangeAspect="1"/>
-            </p:cNvPicPr>
-            <p:nvPr/>
-          </p:nvPicPr>
-          <p:blipFill>
-            <a:blip r:embed="rId4">
-              <a:extLst>
-                <a:ext uri="{28A0092B-C50C-407E-A947-70E740481C1C}">
-                  <a14:useLocalDpi xmlns:a14="http://schemas.microsoft.com/office/drawing/2010/main" val="0"/>
-                </a:ext>
-              </a:extLst>
-            </a:blip>
-            <a:stretch>
-              <a:fillRect/>
-            </a:stretch>
-          </p:blipFill>
-          <p:spPr>
-            <a:xfrm flipH="1">
-              <a:off x="237679" y="1459046"/>
-              <a:ext cx="5218004" cy="4746973"/>
-            </a:xfrm>
-            <a:prstGeom prst="rect">
-              <a:avLst/>
-            </a:prstGeom>
-          </p:spPr>
-        </p:pic>
-        <p:sp>
-          <p:nvSpPr>
-            <p:cNvPr id="9" name="Content Placeholder 2">
-              <a:extLst>
-                <a:ext uri="{FF2B5EF4-FFF2-40B4-BE49-F238E27FC236}">
-                  <a16:creationId xmlns:a16="http://schemas.microsoft.com/office/drawing/2014/main" id="{61CBB25F-7DF6-6FB6-2B28-F4B340814839}"/>
+                  <a16:creationId xmlns:a16="http://schemas.microsoft.com/office/drawing/2014/main" id="{4ABDA5FC-73DE-45FD-7900-50978F3F863E}"/>
                 </a:ext>
               </a:extLst>
             </p:cNvPr>
@@ -4792,15 +5089,285 @@
           </p:nvSpPr>
           <p:spPr>
             <a:xfrm>
-              <a:off x="470204" y="1699021"/>
-              <a:ext cx="4752954" cy="635346"/>
+              <a:off x="470204" y="2461846"/>
+              <a:ext cx="4752954" cy="3623726"/>
             </a:xfrm>
             <a:prstGeom prst="rect">
               <a:avLst/>
             </a:prstGeom>
+            <a:grpFill/>
+            <a:effectLst>
+              <a:outerShdw blurRad="50800" dist="38100" dir="2700000" algn="tl" rotWithShape="0">
+                <a:prstClr val="black"/>
+              </a:outerShdw>
+            </a:effectLst>
           </p:spPr>
           <p:txBody>
             <a:bodyPr lIns="91440" tIns="45720" rIns="91440" bIns="45720" anchor="t"/>
+            <a:lstStyle>
+              <a:lvl1pPr marL="228600" indent="-228600" algn="l" defTabSz="914400" rtl="0" eaLnBrk="1" latinLnBrk="0" hangingPunct="1">
+                <a:lnSpc>
+                  <a:spcPct val="90000"/>
+                </a:lnSpc>
+                <a:spcBef>
+                  <a:spcPts val="1000"/>
+                </a:spcBef>
+                <a:buFont typeface="Arial" panose="020B0604020202020204" pitchFamily="34" charset="0"/>
+                <a:buChar char="•"/>
+                <a:defRPr sz="2800" kern="1200">
+                  <a:solidFill>
+                    <a:schemeClr val="tx1"/>
+                  </a:solidFill>
+                  <a:latin typeface="+mn-lt"/>
+                  <a:ea typeface="+mn-ea"/>
+                  <a:cs typeface="+mn-cs"/>
+                </a:defRPr>
+              </a:lvl1pPr>
+              <a:lvl2pPr marL="685800" indent="-228600" algn="l" defTabSz="914400" rtl="0" eaLnBrk="1" latinLnBrk="0" hangingPunct="1">
+                <a:lnSpc>
+                  <a:spcPct val="90000"/>
+                </a:lnSpc>
+                <a:spcBef>
+                  <a:spcPts val="500"/>
+                </a:spcBef>
+                <a:buFont typeface="Arial" panose="020B0604020202020204" pitchFamily="34" charset="0"/>
+                <a:buChar char="•"/>
+                <a:defRPr sz="2400" kern="1200">
+                  <a:solidFill>
+                    <a:schemeClr val="tx1"/>
+                  </a:solidFill>
+                  <a:latin typeface="+mn-lt"/>
+                  <a:ea typeface="+mn-ea"/>
+                  <a:cs typeface="+mn-cs"/>
+                </a:defRPr>
+              </a:lvl2pPr>
+              <a:lvl3pPr marL="1143000" indent="-228600" algn="l" defTabSz="914400" rtl="0" eaLnBrk="1" latinLnBrk="0" hangingPunct="1">
+                <a:lnSpc>
+                  <a:spcPct val="90000"/>
+                </a:lnSpc>
+                <a:spcBef>
+                  <a:spcPts val="500"/>
+                </a:spcBef>
+                <a:buFont typeface="Arial" panose="020B0604020202020204" pitchFamily="34" charset="0"/>
+                <a:buChar char="•"/>
+                <a:defRPr sz="2000" kern="1200">
+                  <a:solidFill>
+                    <a:schemeClr val="tx1"/>
+                  </a:solidFill>
+                  <a:latin typeface="+mn-lt"/>
+                  <a:ea typeface="+mn-ea"/>
+                  <a:cs typeface="+mn-cs"/>
+                </a:defRPr>
+              </a:lvl3pPr>
+              <a:lvl4pPr marL="1600200" indent="-228600" algn="l" defTabSz="914400" rtl="0" eaLnBrk="1" latinLnBrk="0" hangingPunct="1">
+                <a:lnSpc>
+                  <a:spcPct val="90000"/>
+                </a:lnSpc>
+                <a:spcBef>
+                  <a:spcPts val="500"/>
+                </a:spcBef>
+                <a:buFont typeface="Arial" panose="020B0604020202020204" pitchFamily="34" charset="0"/>
+                <a:buChar char="•"/>
+                <a:defRPr sz="1800" kern="1200">
+                  <a:solidFill>
+                    <a:schemeClr val="tx1"/>
+                  </a:solidFill>
+                  <a:latin typeface="+mn-lt"/>
+                  <a:ea typeface="+mn-ea"/>
+                  <a:cs typeface="+mn-cs"/>
+                </a:defRPr>
+              </a:lvl4pPr>
+              <a:lvl5pPr marL="2057400" indent="-228600" algn="l" defTabSz="914400" rtl="0" eaLnBrk="1" latinLnBrk="0" hangingPunct="1">
+                <a:lnSpc>
+                  <a:spcPct val="90000"/>
+                </a:lnSpc>
+                <a:spcBef>
+                  <a:spcPts val="500"/>
+                </a:spcBef>
+                <a:buFont typeface="Arial" panose="020B0604020202020204" pitchFamily="34" charset="0"/>
+                <a:buChar char="•"/>
+                <a:defRPr sz="1800" kern="1200">
+                  <a:solidFill>
+                    <a:schemeClr val="tx1"/>
+                  </a:solidFill>
+                  <a:latin typeface="+mn-lt"/>
+                  <a:ea typeface="+mn-ea"/>
+                  <a:cs typeface="+mn-cs"/>
+                </a:defRPr>
+              </a:lvl5pPr>
+              <a:lvl6pPr marL="2514600" indent="-228600" algn="l" defTabSz="914400" rtl="0" eaLnBrk="1" latinLnBrk="0" hangingPunct="1">
+                <a:lnSpc>
+                  <a:spcPct val="90000"/>
+                </a:lnSpc>
+                <a:spcBef>
+                  <a:spcPts val="500"/>
+                </a:spcBef>
+                <a:buFont typeface="Arial" panose="020B0604020202020204" pitchFamily="34" charset="0"/>
+                <a:buChar char="•"/>
+                <a:defRPr sz="1800" kern="1200">
+                  <a:solidFill>
+                    <a:schemeClr val="tx1"/>
+                  </a:solidFill>
+                  <a:latin typeface="+mn-lt"/>
+                  <a:ea typeface="+mn-ea"/>
+                  <a:cs typeface="+mn-cs"/>
+                </a:defRPr>
+              </a:lvl6pPr>
+              <a:lvl7pPr marL="2971800" indent="-228600" algn="l" defTabSz="914400" rtl="0" eaLnBrk="1" latinLnBrk="0" hangingPunct="1">
+                <a:lnSpc>
+                  <a:spcPct val="90000"/>
+                </a:lnSpc>
+                <a:spcBef>
+                  <a:spcPts val="500"/>
+                </a:spcBef>
+                <a:buFont typeface="Arial" panose="020B0604020202020204" pitchFamily="34" charset="0"/>
+                <a:buChar char="•"/>
+                <a:defRPr sz="1800" kern="1200">
+                  <a:solidFill>
+                    <a:schemeClr val="tx1"/>
+                  </a:solidFill>
+                  <a:latin typeface="+mn-lt"/>
+                  <a:ea typeface="+mn-ea"/>
+                  <a:cs typeface="+mn-cs"/>
+                </a:defRPr>
+              </a:lvl7pPr>
+              <a:lvl8pPr marL="3429000" indent="-228600" algn="l" defTabSz="914400" rtl="0" eaLnBrk="1" latinLnBrk="0" hangingPunct="1">
+                <a:lnSpc>
+                  <a:spcPct val="90000"/>
+                </a:lnSpc>
+                <a:spcBef>
+                  <a:spcPts val="500"/>
+                </a:spcBef>
+                <a:buFont typeface="Arial" panose="020B0604020202020204" pitchFamily="34" charset="0"/>
+                <a:buChar char="•"/>
+                <a:defRPr sz="1800" kern="1200">
+                  <a:solidFill>
+                    <a:schemeClr val="tx1"/>
+                  </a:solidFill>
+                  <a:latin typeface="+mn-lt"/>
+                  <a:ea typeface="+mn-ea"/>
+                  <a:cs typeface="+mn-cs"/>
+                </a:defRPr>
+              </a:lvl8pPr>
+              <a:lvl9pPr marL="3886200" indent="-228600" algn="l" defTabSz="914400" rtl="0" eaLnBrk="1" latinLnBrk="0" hangingPunct="1">
+                <a:lnSpc>
+                  <a:spcPct val="90000"/>
+                </a:lnSpc>
+                <a:spcBef>
+                  <a:spcPts val="500"/>
+                </a:spcBef>
+                <a:buFont typeface="Arial" panose="020B0604020202020204" pitchFamily="34" charset="0"/>
+                <a:buChar char="•"/>
+                <a:defRPr sz="1800" kern="1200">
+                  <a:solidFill>
+                    <a:schemeClr val="tx1"/>
+                  </a:solidFill>
+                  <a:latin typeface="+mn-lt"/>
+                  <a:ea typeface="+mn-ea"/>
+                  <a:cs typeface="+mn-cs"/>
+                </a:defRPr>
+              </a:lvl9pPr>
+            </a:lstStyle>
+            <a:p>
+              <a:pPr marL="0" indent="0" algn="ctr">
+                <a:lnSpc>
+                  <a:spcPct val="120000"/>
+                </a:lnSpc>
+                <a:buNone/>
+              </a:pPr>
+              <a:endParaRPr lang="hu-HU" sz="3600" b="1" dirty="0">
+                <a:solidFill>
+                  <a:schemeClr val="accent1">
+                    <a:lumMod val="60000"/>
+                    <a:lumOff val="40000"/>
+                  </a:schemeClr>
+                </a:solidFill>
+                <a:latin typeface="Helvetica" panose="020B0604020202020204" pitchFamily="34" charset="0"/>
+                <a:cs typeface="Helvetica" panose="020B0604020202020204" pitchFamily="34" charset="0"/>
+              </a:endParaRPr>
+            </a:p>
+            <a:p>
+              <a:pPr algn="ctr">
+                <a:lnSpc>
+                  <a:spcPct val="120000"/>
+                </a:lnSpc>
+              </a:pPr>
+              <a:r>
+                <a:rPr lang="hu-HU" sz="3600" b="1" dirty="0">
+                  <a:solidFill>
+                    <a:srgbClr val="FFC671"/>
+                  </a:solidFill>
+                  <a:latin typeface="Helvetica" panose="020B0604020202020204" pitchFamily="34" charset="0"/>
+                  <a:cs typeface="Helvetica" panose="020B0604020202020204" pitchFamily="34" charset="0"/>
+                </a:rPr>
+                <a:t>Játék részeinek egységesítése</a:t>
+              </a:r>
+            </a:p>
+            <a:p>
+              <a:pPr algn="ctr">
+                <a:lnSpc>
+                  <a:spcPct val="120000"/>
+                </a:lnSpc>
+              </a:pPr>
+              <a:r>
+                <a:rPr lang="hu-HU" sz="3600" b="1" dirty="0">
+                  <a:solidFill>
+                    <a:srgbClr val="FFC671"/>
+                  </a:solidFill>
+                  <a:latin typeface="Helvetica" panose="020B0604020202020204" pitchFamily="34" charset="0"/>
+                  <a:cs typeface="Helvetica" panose="020B0604020202020204" pitchFamily="34" charset="0"/>
+                </a:rPr>
+                <a:t>Egyjátékos mód megtervezése</a:t>
+              </a:r>
+            </a:p>
+            <a:p>
+              <a:pPr algn="ctr">
+                <a:lnSpc>
+                  <a:spcPct val="120000"/>
+                </a:lnSpc>
+              </a:pPr>
+              <a:r>
+                <a:rPr lang="hu-HU" sz="3600" b="1" dirty="0">
+                  <a:solidFill>
+                    <a:srgbClr val="FFC671"/>
+                  </a:solidFill>
+                  <a:latin typeface="Helvetica" panose="020B0604020202020204" pitchFamily="34" charset="0"/>
+                  <a:cs typeface="Helvetica" panose="020B0604020202020204" pitchFamily="34" charset="0"/>
+                </a:rPr>
+                <a:t>Hangok és hangrendszer</a:t>
+              </a:r>
+            </a:p>
+          </p:txBody>
+        </p:sp>
+        <p:sp>
+          <p:nvSpPr>
+            <p:cNvPr id="12" name="Content Placeholder 2">
+              <a:extLst>
+                <a:ext uri="{FF2B5EF4-FFF2-40B4-BE49-F238E27FC236}">
+                  <a16:creationId xmlns:a16="http://schemas.microsoft.com/office/drawing/2014/main" id="{4B7E5D57-407A-BEFA-1D69-15D0D5EF4C19}"/>
+                </a:ext>
+              </a:extLst>
+            </p:cNvPr>
+            <p:cNvSpPr txBox="1">
+              <a:spLocks/>
+            </p:cNvSpPr>
+            <p:nvPr/>
+          </p:nvSpPr>
+          <p:spPr>
+            <a:xfrm>
+              <a:off x="470204" y="1690254"/>
+              <a:ext cx="4752954" cy="655781"/>
+            </a:xfrm>
+            <a:prstGeom prst="rect">
+              <a:avLst/>
+            </a:prstGeom>
+            <a:grpFill/>
+            <a:effectLst>
+              <a:softEdge rad="31750"/>
+            </a:effectLst>
+          </p:spPr>
+          <p:txBody>
+            <a:bodyPr anchor="ctr" anchorCtr="1"/>
             <a:lstStyle>
               <a:lvl1pPr marL="228600" indent="-228600" algn="l" defTabSz="914400" rtl="0" eaLnBrk="1" latinLnBrk="0" hangingPunct="1">
                 <a:lnSpc>
@@ -4970,17 +5537,17 @@
                 <a:buNone/>
               </a:pPr>
               <a:r>
-                <a:rPr lang="hu-HU" sz="3600" dirty="0">
-                  <a:solidFill>
-                    <a:srgbClr val="FFF3E7"/>
+                <a:rPr lang="hu-HU" sz="3600" b="1" dirty="0">
+                  <a:solidFill>
+                    <a:schemeClr val="bg1"/>
                   </a:solidFill>
                   <a:latin typeface="Felix Titling" panose="04060505060202020A04" pitchFamily="82" charset="0"/>
                 </a:rPr>
-                <a:t>Jelenlegi terveink</a:t>
+                <a:t>A következő workshopra</a:t>
               </a:r>
-              <a:endParaRPr lang="en-US" sz="3600">
+              <a:endParaRPr lang="en-US" sz="3600" b="1" dirty="0">
                 <a:solidFill>
-                  <a:srgbClr val="FFF3E7"/>
+                  <a:schemeClr val="bg1"/>
                 </a:solidFill>
                 <a:latin typeface="Felix Titling" panose="04060505060202020A04" pitchFamily="82" charset="0"/>
               </a:endParaRPr>
@@ -4988,358 +5555,10 @@
           </p:txBody>
         </p:sp>
       </p:grpSp>
-      <p:sp>
-        <p:nvSpPr>
-          <p:cNvPr id="2" name="Szövegdoboz 15">
-            <a:extLst>
-              <a:ext uri="{FF2B5EF4-FFF2-40B4-BE49-F238E27FC236}">
-                <a16:creationId xmlns:a16="http://schemas.microsoft.com/office/drawing/2014/main" id="{3CEFDDC1-40F6-C1DD-ADE9-C448CFF574F9}"/>
-              </a:ext>
-            </a:extLst>
-          </p:cNvPr>
-          <p:cNvSpPr txBox="1"/>
-          <p:nvPr/>
-        </p:nvSpPr>
-        <p:spPr>
-          <a:xfrm>
-            <a:off x="237679" y="169420"/>
-            <a:ext cx="6629834" cy="923330"/>
-          </a:xfrm>
-          <a:prstGeom prst="rect">
-            <a:avLst/>
-          </a:prstGeom>
-          <a:noFill/>
-        </p:spPr>
-        <p:txBody>
-          <a:bodyPr rot="0" spcFirstLastPara="0" vertOverflow="overflow" horzOverflow="overflow" vert="horz" wrap="square" lIns="91440" tIns="45720" rIns="91440" bIns="45720" numCol="1" spcCol="0" rtlCol="0" fromWordArt="0" anchor="t" anchorCtr="0" forceAA="0" compatLnSpc="1">
-            <a:prstTxWarp prst="textNoShape">
-              <a:avLst/>
-            </a:prstTxWarp>
-            <a:spAutoFit/>
-          </a:bodyPr>
-          <a:lstStyle/>
-          <a:p>
-            <a:r>
-              <a:rPr lang="hu-HU" sz="5400" dirty="0">
-                <a:solidFill>
-                  <a:schemeClr val="bg1"/>
-                </a:solidFill>
-                <a:latin typeface="Colonna MT" panose="04020805060202030203" pitchFamily="82" charset="0"/>
-              </a:rPr>
-              <a:t>Terveink</a:t>
-            </a:r>
-          </a:p>
-        </p:txBody>
-      </p:sp>
-      <p:sp>
-        <p:nvSpPr>
-          <p:cNvPr id="3" name="Content Placeholder 2">
-            <a:extLst>
-              <a:ext uri="{FF2B5EF4-FFF2-40B4-BE49-F238E27FC236}">
-                <a16:creationId xmlns:a16="http://schemas.microsoft.com/office/drawing/2014/main" id="{F023A01D-A030-7619-995D-FE5F978F5E6F}"/>
-              </a:ext>
-            </a:extLst>
-          </p:cNvPr>
-          <p:cNvSpPr txBox="1">
-            <a:spLocks/>
-          </p:cNvSpPr>
-          <p:nvPr/>
-        </p:nvSpPr>
-        <p:spPr>
-          <a:xfrm>
-            <a:off x="1410559" y="3063346"/>
-            <a:ext cx="9370882" cy="1811162"/>
-          </a:xfrm>
-          <a:prstGeom prst="rect">
-            <a:avLst/>
-          </a:prstGeom>
-          <a:effectLst>
-            <a:outerShdw blurRad="50800" dist="38100" dir="2700000" algn="tl" rotWithShape="0">
-              <a:prstClr val="black"/>
-            </a:outerShdw>
-          </a:effectLst>
-        </p:spPr>
-        <p:txBody>
-          <a:bodyPr lIns="91440" tIns="45720" rIns="91440" bIns="45720" anchor="t"/>
-          <a:lstStyle>
-            <a:lvl1pPr marL="228600" indent="-228600" algn="l" defTabSz="914400" rtl="0" eaLnBrk="1" latinLnBrk="0" hangingPunct="1">
-              <a:lnSpc>
-                <a:spcPct val="90000"/>
-              </a:lnSpc>
-              <a:spcBef>
-                <a:spcPts val="1000"/>
-              </a:spcBef>
-              <a:buFont typeface="Arial" panose="020B0604020202020204" pitchFamily="34" charset="0"/>
-              <a:buChar char="•"/>
-              <a:defRPr sz="2800" kern="1200">
-                <a:solidFill>
-                  <a:schemeClr val="tx1"/>
-                </a:solidFill>
-                <a:latin typeface="+mn-lt"/>
-                <a:ea typeface="+mn-ea"/>
-                <a:cs typeface="+mn-cs"/>
-              </a:defRPr>
-            </a:lvl1pPr>
-            <a:lvl2pPr marL="685800" indent="-228600" algn="l" defTabSz="914400" rtl="0" eaLnBrk="1" latinLnBrk="0" hangingPunct="1">
-              <a:lnSpc>
-                <a:spcPct val="90000"/>
-              </a:lnSpc>
-              <a:spcBef>
-                <a:spcPts val="500"/>
-              </a:spcBef>
-              <a:buFont typeface="Arial" panose="020B0604020202020204" pitchFamily="34" charset="0"/>
-              <a:buChar char="•"/>
-              <a:defRPr sz="2400" kern="1200">
-                <a:solidFill>
-                  <a:schemeClr val="tx1"/>
-                </a:solidFill>
-                <a:latin typeface="+mn-lt"/>
-                <a:ea typeface="+mn-ea"/>
-                <a:cs typeface="+mn-cs"/>
-              </a:defRPr>
-            </a:lvl2pPr>
-            <a:lvl3pPr marL="1143000" indent="-228600" algn="l" defTabSz="914400" rtl="0" eaLnBrk="1" latinLnBrk="0" hangingPunct="1">
-              <a:lnSpc>
-                <a:spcPct val="90000"/>
-              </a:lnSpc>
-              <a:spcBef>
-                <a:spcPts val="500"/>
-              </a:spcBef>
-              <a:buFont typeface="Arial" panose="020B0604020202020204" pitchFamily="34" charset="0"/>
-              <a:buChar char="•"/>
-              <a:defRPr sz="2000" kern="1200">
-                <a:solidFill>
-                  <a:schemeClr val="tx1"/>
-                </a:solidFill>
-                <a:latin typeface="+mn-lt"/>
-                <a:ea typeface="+mn-ea"/>
-                <a:cs typeface="+mn-cs"/>
-              </a:defRPr>
-            </a:lvl3pPr>
-            <a:lvl4pPr marL="1600200" indent="-228600" algn="l" defTabSz="914400" rtl="0" eaLnBrk="1" latinLnBrk="0" hangingPunct="1">
-              <a:lnSpc>
-                <a:spcPct val="90000"/>
-              </a:lnSpc>
-              <a:spcBef>
-                <a:spcPts val="500"/>
-              </a:spcBef>
-              <a:buFont typeface="Arial" panose="020B0604020202020204" pitchFamily="34" charset="0"/>
-              <a:buChar char="•"/>
-              <a:defRPr sz="1800" kern="1200">
-                <a:solidFill>
-                  <a:schemeClr val="tx1"/>
-                </a:solidFill>
-                <a:latin typeface="+mn-lt"/>
-                <a:ea typeface="+mn-ea"/>
-                <a:cs typeface="+mn-cs"/>
-              </a:defRPr>
-            </a:lvl4pPr>
-            <a:lvl5pPr marL="2057400" indent="-228600" algn="l" defTabSz="914400" rtl="0" eaLnBrk="1" latinLnBrk="0" hangingPunct="1">
-              <a:lnSpc>
-                <a:spcPct val="90000"/>
-              </a:lnSpc>
-              <a:spcBef>
-                <a:spcPts val="500"/>
-              </a:spcBef>
-              <a:buFont typeface="Arial" panose="020B0604020202020204" pitchFamily="34" charset="0"/>
-              <a:buChar char="•"/>
-              <a:defRPr sz="1800" kern="1200">
-                <a:solidFill>
-                  <a:schemeClr val="tx1"/>
-                </a:solidFill>
-                <a:latin typeface="+mn-lt"/>
-                <a:ea typeface="+mn-ea"/>
-                <a:cs typeface="+mn-cs"/>
-              </a:defRPr>
-            </a:lvl5pPr>
-            <a:lvl6pPr marL="2514600" indent="-228600" algn="l" defTabSz="914400" rtl="0" eaLnBrk="1" latinLnBrk="0" hangingPunct="1">
-              <a:lnSpc>
-                <a:spcPct val="90000"/>
-              </a:lnSpc>
-              <a:spcBef>
-                <a:spcPts val="500"/>
-              </a:spcBef>
-              <a:buFont typeface="Arial" panose="020B0604020202020204" pitchFamily="34" charset="0"/>
-              <a:buChar char="•"/>
-              <a:defRPr sz="1800" kern="1200">
-                <a:solidFill>
-                  <a:schemeClr val="tx1"/>
-                </a:solidFill>
-                <a:latin typeface="+mn-lt"/>
-                <a:ea typeface="+mn-ea"/>
-                <a:cs typeface="+mn-cs"/>
-              </a:defRPr>
-            </a:lvl6pPr>
-            <a:lvl7pPr marL="2971800" indent="-228600" algn="l" defTabSz="914400" rtl="0" eaLnBrk="1" latinLnBrk="0" hangingPunct="1">
-              <a:lnSpc>
-                <a:spcPct val="90000"/>
-              </a:lnSpc>
-              <a:spcBef>
-                <a:spcPts val="500"/>
-              </a:spcBef>
-              <a:buFont typeface="Arial" panose="020B0604020202020204" pitchFamily="34" charset="0"/>
-              <a:buChar char="•"/>
-              <a:defRPr sz="1800" kern="1200">
-                <a:solidFill>
-                  <a:schemeClr val="tx1"/>
-                </a:solidFill>
-                <a:latin typeface="+mn-lt"/>
-                <a:ea typeface="+mn-ea"/>
-                <a:cs typeface="+mn-cs"/>
-              </a:defRPr>
-            </a:lvl7pPr>
-            <a:lvl8pPr marL="3429000" indent="-228600" algn="l" defTabSz="914400" rtl="0" eaLnBrk="1" latinLnBrk="0" hangingPunct="1">
-              <a:lnSpc>
-                <a:spcPct val="90000"/>
-              </a:lnSpc>
-              <a:spcBef>
-                <a:spcPts val="500"/>
-              </a:spcBef>
-              <a:buFont typeface="Arial" panose="020B0604020202020204" pitchFamily="34" charset="0"/>
-              <a:buChar char="•"/>
-              <a:defRPr sz="1800" kern="1200">
-                <a:solidFill>
-                  <a:schemeClr val="tx1"/>
-                </a:solidFill>
-                <a:latin typeface="+mn-lt"/>
-                <a:ea typeface="+mn-ea"/>
-                <a:cs typeface="+mn-cs"/>
-              </a:defRPr>
-            </a:lvl8pPr>
-            <a:lvl9pPr marL="3886200" indent="-228600" algn="l" defTabSz="914400" rtl="0" eaLnBrk="1" latinLnBrk="0" hangingPunct="1">
-              <a:lnSpc>
-                <a:spcPct val="90000"/>
-              </a:lnSpc>
-              <a:spcBef>
-                <a:spcPts val="500"/>
-              </a:spcBef>
-              <a:buFont typeface="Arial" panose="020B0604020202020204" pitchFamily="34" charset="0"/>
-              <a:buChar char="•"/>
-              <a:defRPr sz="1800" kern="1200">
-                <a:solidFill>
-                  <a:schemeClr val="tx1"/>
-                </a:solidFill>
-                <a:latin typeface="+mn-lt"/>
-                <a:ea typeface="+mn-ea"/>
-                <a:cs typeface="+mn-cs"/>
-              </a:defRPr>
-            </a:lvl9pPr>
-          </a:lstStyle>
-          <a:p>
-            <a:pPr>
-              <a:lnSpc>
-                <a:spcPct val="120000"/>
-              </a:lnSpc>
-            </a:pPr>
-            <a:r>
-              <a:rPr lang="en-US" sz="2400" b="1" dirty="0">
-                <a:solidFill>
-                  <a:schemeClr val="accent1">
-                    <a:lumMod val="60000"/>
-                    <a:lumOff val="40000"/>
-                  </a:schemeClr>
-                </a:solidFill>
-                <a:latin typeface="Helvetica"/>
-                <a:cs typeface="Helvetica"/>
-              </a:rPr>
-              <a:t>UI </a:t>
-            </a:r>
-            <a:r>
-              <a:rPr lang="en-US" sz="2400" b="1" err="1">
-                <a:solidFill>
-                  <a:schemeClr val="accent1">
-                    <a:lumMod val="60000"/>
-                    <a:lumOff val="40000"/>
-                  </a:schemeClr>
-                </a:solidFill>
-                <a:latin typeface="Helvetica"/>
-                <a:cs typeface="Helvetica"/>
-              </a:rPr>
-              <a:t>továbbfejlesztése</a:t>
-            </a:r>
-            <a:endParaRPr lang="en-US" sz="2400" b="1">
-              <a:solidFill>
-                <a:schemeClr val="accent1">
-                  <a:lumMod val="60000"/>
-                  <a:lumOff val="40000"/>
-                </a:schemeClr>
-              </a:solidFill>
-              <a:latin typeface="Helvetica"/>
-              <a:cs typeface="Helvetica"/>
-            </a:endParaRPr>
-          </a:p>
-          <a:p>
-            <a:pPr>
-              <a:lnSpc>
-                <a:spcPct val="120000"/>
-              </a:lnSpc>
-            </a:pPr>
-            <a:r>
-              <a:rPr lang="en-US" sz="2400" b="1" dirty="0">
-                <a:solidFill>
-                  <a:schemeClr val="accent1">
-                    <a:lumMod val="60000"/>
-                    <a:lumOff val="40000"/>
-                  </a:schemeClr>
-                </a:solidFill>
-                <a:latin typeface="Helvetica"/>
-                <a:cs typeface="Helvetica"/>
-              </a:rPr>
-              <a:t>3D –s </a:t>
-            </a:r>
-            <a:r>
-              <a:rPr lang="en-US" sz="2400" b="1" dirty="0" err="1">
-                <a:solidFill>
-                  <a:schemeClr val="accent1">
-                    <a:lumMod val="60000"/>
-                    <a:lumOff val="40000"/>
-                  </a:schemeClr>
-                </a:solidFill>
-                <a:latin typeface="Helvetica"/>
-                <a:cs typeface="Helvetica"/>
-              </a:rPr>
-              <a:t>modellek</a:t>
-            </a:r>
-          </a:p>
-          <a:p>
-            <a:pPr>
-              <a:lnSpc>
-                <a:spcPct val="120000"/>
-              </a:lnSpc>
-            </a:pPr>
-            <a:r>
-              <a:rPr lang="en-US" sz="2400" b="1" dirty="0">
-                <a:solidFill>
-                  <a:schemeClr val="accent1">
-                    <a:lumMod val="60000"/>
-                    <a:lumOff val="40000"/>
-                  </a:schemeClr>
-                </a:solidFill>
-                <a:latin typeface="Helvetica"/>
-                <a:cs typeface="Helvetica"/>
-              </a:rPr>
-              <a:t>Singleplayer </a:t>
-            </a:r>
-            <a:r>
-              <a:rPr lang="en-US" sz="2400" b="1" dirty="0" err="1">
-                <a:solidFill>
-                  <a:schemeClr val="accent1">
-                    <a:lumMod val="60000"/>
-                    <a:lumOff val="40000"/>
-                  </a:schemeClr>
-                </a:solidFill>
-                <a:latin typeface="Helvetica"/>
-                <a:cs typeface="Helvetica"/>
-              </a:rPr>
-              <a:t>implementáció</a:t>
-            </a:r>
-          </a:p>
-        </p:txBody>
-      </p:sp>
     </p:spTree>
     <p:extLst>
       <p:ext uri="{BB962C8B-B14F-4D97-AF65-F5344CB8AC3E}">
-        <p14:creationId xmlns:p14="http://schemas.microsoft.com/office/powerpoint/2010/main" val="2180779924"/>
+        <p14:creationId xmlns:p14="http://schemas.microsoft.com/office/powerpoint/2010/main" val="83358538"/>
       </p:ext>
     </p:extLst>
   </p:cSld>
@@ -5357,21 +5576,10 @@
         <a:blipFill dpi="0" rotWithShape="1">
           <a:blip r:embed="rId2">
             <a:lum/>
-            <a:extLst>
-              <a:ext uri="{BEBA8EAE-BF5A-486C-A8C5-ECC9F3942E4B}">
-                <a14:imgProps xmlns:a14="http://schemas.microsoft.com/office/drawing/2010/main">
-                  <a14:imgLayer r:embed="rId3">
-                    <a14:imgEffect>
-                      <a14:artisticPaintBrush/>
-                    </a14:imgEffect>
-                  </a14:imgLayer>
-                </a14:imgProps>
-              </a:ext>
-            </a:extLst>
           </a:blip>
           <a:srcRect/>
           <a:stretch>
-            <a:fillRect l="-9000" r="-9000"/>
+            <a:fillRect t="-15000" b="-15000"/>
           </a:stretch>
         </a:blipFill>
         <a:effectLst/>
@@ -5411,8 +5619,8 @@
         </p:nvSpPr>
         <p:spPr>
           <a:xfrm>
-            <a:off x="237679" y="169420"/>
-            <a:ext cx="6629834" cy="923330"/>
+            <a:off x="237678" y="169420"/>
+            <a:ext cx="11801921" cy="1107996"/>
           </a:xfrm>
           <a:prstGeom prst="rect">
             <a:avLst/>
@@ -5428,8 +5636,9 @@
           </a:bodyPr>
           <a:lstStyle/>
           <a:p>
-            <a:r>
-              <a:rPr lang="hu-HU" sz="5400" dirty="0" err="1">
+            <a:pPr algn="ctr"/>
+            <a:r>
+              <a:rPr lang="hu-HU" sz="6600" b="1" dirty="0" err="1">
                 <a:solidFill>
                   <a:schemeClr val="bg1"/>
                 </a:solidFill>
@@ -5437,7 +5646,7 @@
               </a:rPr>
               <a:t>Trello</a:t>
             </a:r>
-            <a:endParaRPr lang="hu-HU" sz="5400" dirty="0">
+            <a:endParaRPr lang="hu-HU" sz="6600" b="1" dirty="0">
               <a:solidFill>
                 <a:schemeClr val="bg1"/>
               </a:solidFill>
@@ -5461,14 +5670,14 @@
           <p:nvPr/>
         </p:nvPicPr>
         <p:blipFill>
-          <a:blip r:embed="rId4"/>
+          <a:blip r:embed="rId3"/>
           <a:stretch>
             <a:fillRect/>
           </a:stretch>
         </p:blipFill>
         <p:spPr>
           <a:xfrm>
-            <a:off x="162560" y="1405720"/>
+            <a:off x="162559" y="2070738"/>
             <a:ext cx="11877040" cy="4178640"/>
           </a:xfrm>
           <a:prstGeom prst="rect">
@@ -5497,21 +5706,10 @@
         <a:blipFill dpi="0" rotWithShape="1">
           <a:blip r:embed="rId2">
             <a:lum/>
-            <a:extLst>
-              <a:ext uri="{BEBA8EAE-BF5A-486C-A8C5-ECC9F3942E4B}">
-                <a14:imgProps xmlns:a14="http://schemas.microsoft.com/office/drawing/2010/main">
-                  <a14:imgLayer r:embed="rId3">
-                    <a14:imgEffect>
-                      <a14:artisticPaintBrush/>
-                    </a14:imgEffect>
-                  </a14:imgLayer>
-                </a14:imgProps>
-              </a:ext>
-            </a:extLst>
           </a:blip>
           <a:srcRect/>
           <a:stretch>
-            <a:fillRect l="-9000" r="-9000"/>
+            <a:fillRect t="-16000" b="-16000"/>
           </a:stretch>
         </a:blipFill>
         <a:effectLst/>
@@ -5551,8 +5749,8 @@
         </p:nvSpPr>
         <p:spPr>
           <a:xfrm>
-            <a:off x="2781083" y="2321004"/>
-            <a:ext cx="6629834" cy="2215991"/>
+            <a:off x="1487523" y="1851645"/>
+            <a:ext cx="9216953" cy="3154710"/>
           </a:xfrm>
           <a:prstGeom prst="rect">
             <a:avLst/>
@@ -5570,7 +5768,7 @@
           <a:p>
             <a:pPr algn="ctr"/>
             <a:r>
-              <a:rPr lang="hu-HU" sz="13800" dirty="0">
+              <a:rPr lang="hu-HU" sz="19900" b="1" dirty="0">
                 <a:solidFill>
                   <a:schemeClr val="bg1"/>
                 </a:solidFill>

--- a/WORYNMuhely3(1).pptx
+++ b/WORYNMuhely3(1).pptx
@@ -9,7 +9,8 @@
     <p:sldId id="265" r:id="rId3"/>
     <p:sldId id="269" r:id="rId4"/>
     <p:sldId id="268" r:id="rId5"/>
-    <p:sldId id="267" r:id="rId6"/>
+    <p:sldId id="270" r:id="rId6"/>
+    <p:sldId id="267" r:id="rId7"/>
   </p:sldIdLst>
   <p:sldSz cx="12192000" cy="6858000"/>
   <p:notesSz cx="6858000" cy="9144000"/>
@@ -5709,6 +5710,166 @@
           </a:blip>
           <a:srcRect/>
           <a:stretch>
+            <a:fillRect t="-15000" b="-15000"/>
+          </a:stretch>
+        </a:blipFill>
+        <a:effectLst/>
+      </p:bgPr>
+    </p:bg>
+    <p:spTree>
+      <p:nvGrpSpPr>
+        <p:cNvPr id="1" name="">
+          <a:extLst>
+            <a:ext uri="{FF2B5EF4-FFF2-40B4-BE49-F238E27FC236}">
+              <a16:creationId xmlns:a16="http://schemas.microsoft.com/office/drawing/2014/main" id="{A98A5EFD-E674-4074-519A-A88171DA0985}"/>
+            </a:ext>
+          </a:extLst>
+        </p:cNvPr>
+        <p:cNvGrpSpPr/>
+        <p:nvPr/>
+      </p:nvGrpSpPr>
+      <p:grpSpPr>
+        <a:xfrm>
+          <a:off x="0" y="0"/>
+          <a:ext cx="0" cy="0"/>
+          <a:chOff x="0" y="0"/>
+          <a:chExt cx="0" cy="0"/>
+        </a:xfrm>
+      </p:grpSpPr>
+      <p:sp>
+        <p:nvSpPr>
+          <p:cNvPr id="2" name="Szövegdoboz 15">
+            <a:extLst>
+              <a:ext uri="{FF2B5EF4-FFF2-40B4-BE49-F238E27FC236}">
+                <a16:creationId xmlns:a16="http://schemas.microsoft.com/office/drawing/2014/main" id="{D11CA879-B00F-4C7C-3C8C-EC82187A2D3D}"/>
+              </a:ext>
+            </a:extLst>
+          </p:cNvPr>
+          <p:cNvSpPr txBox="1"/>
+          <p:nvPr/>
+        </p:nvSpPr>
+        <p:spPr>
+          <a:xfrm>
+            <a:off x="237678" y="169420"/>
+            <a:ext cx="11801921" cy="1107996"/>
+          </a:xfrm>
+          <a:prstGeom prst="rect">
+            <a:avLst/>
+          </a:prstGeom>
+          <a:noFill/>
+        </p:spPr>
+        <p:txBody>
+          <a:bodyPr rot="0" spcFirstLastPara="0" vertOverflow="overflow" horzOverflow="overflow" vert="horz" wrap="square" lIns="91440" tIns="45720" rIns="91440" bIns="45720" numCol="1" spcCol="0" rtlCol="0" fromWordArt="0" anchor="t" anchorCtr="0" forceAA="0" compatLnSpc="1">
+            <a:prstTxWarp prst="textNoShape">
+              <a:avLst/>
+            </a:prstTxWarp>
+            <a:spAutoFit/>
+          </a:bodyPr>
+          <a:lstStyle/>
+          <a:p>
+            <a:pPr algn="ctr"/>
+            <a:r>
+              <a:rPr lang="en-US" sz="6600" b="1" dirty="0" err="1">
+                <a:solidFill>
+                  <a:schemeClr val="bg1"/>
+                </a:solidFill>
+                <a:latin typeface="Colonna MT" panose="04020805060202030203" pitchFamily="82" charset="0"/>
+              </a:rPr>
+              <a:t>Github</a:t>
+            </a:r>
+            <a:endParaRPr lang="hu-HU" sz="6600" b="1" dirty="0">
+              <a:solidFill>
+                <a:schemeClr val="bg1"/>
+              </a:solidFill>
+              <a:latin typeface="Colonna MT" panose="04020805060202030203" pitchFamily="82" charset="0"/>
+            </a:endParaRPr>
+          </a:p>
+        </p:txBody>
+      </p:sp>
+      <p:pic>
+        <p:nvPicPr>
+          <p:cNvPr id="5" name="Picture 4">
+            <a:extLst>
+              <a:ext uri="{FF2B5EF4-FFF2-40B4-BE49-F238E27FC236}">
+                <a16:creationId xmlns:a16="http://schemas.microsoft.com/office/drawing/2014/main" id="{31B4CEF0-CA7E-171D-847B-60DC4A57A290}"/>
+              </a:ext>
+            </a:extLst>
+          </p:cNvPr>
+          <p:cNvPicPr>
+            <a:picLocks noChangeAspect="1"/>
+          </p:cNvPicPr>
+          <p:nvPr/>
+        </p:nvPicPr>
+        <p:blipFill>
+          <a:blip r:embed="rId3"/>
+          <a:stretch>
+            <a:fillRect/>
+          </a:stretch>
+        </p:blipFill>
+        <p:spPr>
+          <a:xfrm>
+            <a:off x="152401" y="1002537"/>
+            <a:ext cx="7693741" cy="2604697"/>
+          </a:xfrm>
+          <a:prstGeom prst="rect">
+            <a:avLst/>
+          </a:prstGeom>
+        </p:spPr>
+      </p:pic>
+      <p:pic>
+        <p:nvPicPr>
+          <p:cNvPr id="7" name="Picture 6">
+            <a:extLst>
+              <a:ext uri="{FF2B5EF4-FFF2-40B4-BE49-F238E27FC236}">
+                <a16:creationId xmlns:a16="http://schemas.microsoft.com/office/drawing/2014/main" id="{3A83FDB6-F288-DFB3-6812-ED12EA524C22}"/>
+              </a:ext>
+            </a:extLst>
+          </p:cNvPr>
+          <p:cNvPicPr>
+            <a:picLocks noChangeAspect="1"/>
+          </p:cNvPicPr>
+          <p:nvPr/>
+        </p:nvPicPr>
+        <p:blipFill>
+          <a:blip r:embed="rId4"/>
+          <a:stretch>
+            <a:fillRect/>
+          </a:stretch>
+        </p:blipFill>
+        <p:spPr>
+          <a:xfrm>
+            <a:off x="2920180" y="3728237"/>
+            <a:ext cx="8863212" cy="2865169"/>
+          </a:xfrm>
+          <a:prstGeom prst="rect">
+            <a:avLst/>
+          </a:prstGeom>
+        </p:spPr>
+      </p:pic>
+    </p:spTree>
+    <p:extLst>
+      <p:ext uri="{BB962C8B-B14F-4D97-AF65-F5344CB8AC3E}">
+        <p14:creationId xmlns:p14="http://schemas.microsoft.com/office/powerpoint/2010/main" val="1092881223"/>
+      </p:ext>
+    </p:extLst>
+  </p:cSld>
+  <p:clrMapOvr>
+    <a:masterClrMapping/>
+  </p:clrMapOvr>
+</p:sld>
+</file>
+
+<file path=ppt/slides/slide6.xml><?xml version="1.0" encoding="utf-8"?>
+<p:sld xmlns:a="http://schemas.openxmlformats.org/drawingml/2006/main" xmlns:r="http://schemas.openxmlformats.org/officeDocument/2006/relationships" xmlns:p="http://schemas.openxmlformats.org/presentationml/2006/main">
+  <p:cSld>
+    <p:bg>
+      <p:bgPr>
+        <a:blipFill dpi="0" rotWithShape="1">
+          <a:blip r:embed="rId2">
+            <a:lum/>
+          </a:blip>
+          <a:srcRect/>
+          <a:stretch>
             <a:fillRect t="-16000" b="-16000"/>
           </a:stretch>
         </a:blipFill>

--- a/WORYNMuhely3(1).pptx
+++ b/WORYNMuhely3(1).pptx
@@ -121,6 +121,7 @@
 <p1510:revInfo xmlns:a="http://schemas.openxmlformats.org/drawingml/2006/main" xmlns:r="http://schemas.openxmlformats.org/officeDocument/2006/relationships" xmlns:p1510="http://schemas.microsoft.com/office/powerpoint/2015/10/main">
   <p1510:revLst>
     <p1510:client id="{4C8CA448-8BDF-4C40-87BD-3BBD18415332}" v="55" dt="2026-01-15T20:36:17.192"/>
+    <p1510:client id="{F421EDB5-A64C-4339-AA3C-5E8E6DD839BB}" v="23" dt="2026-01-17T06:44:48.916"/>
   </p1510:revLst>
 </p1510:revInfo>
 </file>
@@ -272,7 +273,7 @@
           <a:p>
             <a:fld id="{4CC7B7AA-68A5-4367-9248-FD821E8A2C27}" type="datetimeFigureOut">
               <a:rPr lang="en-US" smtClean="0"/>
-              <a:t>1/17/2026</a:t>
+              <a:t>1/16/2026</a:t>
             </a:fld>
             <a:endParaRPr lang="en-US"/>
           </a:p>
@@ -470,7 +471,7 @@
           <a:p>
             <a:fld id="{4CC7B7AA-68A5-4367-9248-FD821E8A2C27}" type="datetimeFigureOut">
               <a:rPr lang="en-US" smtClean="0"/>
-              <a:t>1/17/2026</a:t>
+              <a:t>1/16/2026</a:t>
             </a:fld>
             <a:endParaRPr lang="en-US"/>
           </a:p>
@@ -678,7 +679,7 @@
           <a:p>
             <a:fld id="{4CC7B7AA-68A5-4367-9248-FD821E8A2C27}" type="datetimeFigureOut">
               <a:rPr lang="en-US" smtClean="0"/>
-              <a:t>1/17/2026</a:t>
+              <a:t>1/16/2026</a:t>
             </a:fld>
             <a:endParaRPr lang="en-US"/>
           </a:p>
@@ -876,7 +877,7 @@
           <a:p>
             <a:fld id="{4CC7B7AA-68A5-4367-9248-FD821E8A2C27}" type="datetimeFigureOut">
               <a:rPr lang="en-US" smtClean="0"/>
-              <a:t>1/17/2026</a:t>
+              <a:t>1/16/2026</a:t>
             </a:fld>
             <a:endParaRPr lang="en-US"/>
           </a:p>
@@ -1151,7 +1152,7 @@
           <a:p>
             <a:fld id="{4CC7B7AA-68A5-4367-9248-FD821E8A2C27}" type="datetimeFigureOut">
               <a:rPr lang="en-US" smtClean="0"/>
-              <a:t>1/17/2026</a:t>
+              <a:t>1/16/2026</a:t>
             </a:fld>
             <a:endParaRPr lang="en-US"/>
           </a:p>
@@ -1416,7 +1417,7 @@
           <a:p>
             <a:fld id="{4CC7B7AA-68A5-4367-9248-FD821E8A2C27}" type="datetimeFigureOut">
               <a:rPr lang="en-US" smtClean="0"/>
-              <a:t>1/17/2026</a:t>
+              <a:t>1/16/2026</a:t>
             </a:fld>
             <a:endParaRPr lang="en-US"/>
           </a:p>
@@ -1828,7 +1829,7 @@
           <a:p>
             <a:fld id="{4CC7B7AA-68A5-4367-9248-FD821E8A2C27}" type="datetimeFigureOut">
               <a:rPr lang="en-US" smtClean="0"/>
-              <a:t>1/17/2026</a:t>
+              <a:t>1/16/2026</a:t>
             </a:fld>
             <a:endParaRPr lang="en-US"/>
           </a:p>
@@ -1969,7 +1970,7 @@
           <a:p>
             <a:fld id="{4CC7B7AA-68A5-4367-9248-FD821E8A2C27}" type="datetimeFigureOut">
               <a:rPr lang="en-US" smtClean="0"/>
-              <a:t>1/17/2026</a:t>
+              <a:t>1/16/2026</a:t>
             </a:fld>
             <a:endParaRPr lang="en-US"/>
           </a:p>
@@ -2082,7 +2083,7 @@
           <a:p>
             <a:fld id="{4CC7B7AA-68A5-4367-9248-FD821E8A2C27}" type="datetimeFigureOut">
               <a:rPr lang="en-US" smtClean="0"/>
-              <a:t>1/17/2026</a:t>
+              <a:t>1/16/2026</a:t>
             </a:fld>
             <a:endParaRPr lang="en-US"/>
           </a:p>
@@ -2393,7 +2394,7 @@
           <a:p>
             <a:fld id="{4CC7B7AA-68A5-4367-9248-FD821E8A2C27}" type="datetimeFigureOut">
               <a:rPr lang="en-US" smtClean="0"/>
-              <a:t>1/17/2026</a:t>
+              <a:t>1/16/2026</a:t>
             </a:fld>
             <a:endParaRPr lang="en-US"/>
           </a:p>
@@ -2681,7 +2682,7 @@
           <a:p>
             <a:fld id="{4CC7B7AA-68A5-4367-9248-FD821E8A2C27}" type="datetimeFigureOut">
               <a:rPr lang="en-US" smtClean="0"/>
-              <a:t>1/17/2026</a:t>
+              <a:t>1/16/2026</a:t>
             </a:fld>
             <a:endParaRPr lang="en-US"/>
           </a:p>
@@ -2922,7 +2923,7 @@
           <a:p>
             <a:fld id="{4CC7B7AA-68A5-4367-9248-FD821E8A2C27}" type="datetimeFigureOut">
               <a:rPr lang="en-US" smtClean="0"/>
-              <a:t>1/17/2026</a:t>
+              <a:t>1/16/2026</a:t>
             </a:fld>
             <a:endParaRPr lang="en-US"/>
           </a:p>
@@ -3542,6 +3543,18 @@
   <p:clrMapOvr>
     <a:masterClrMapping/>
   </p:clrMapOvr>
+  <mc:AlternateContent xmlns:mc="http://schemas.openxmlformats.org/markup-compatibility/2006">
+    <mc:Choice xmlns:p14="http://schemas.microsoft.com/office/powerpoint/2010/main" Requires="p14">
+      <p:transition spd="slow" p14:dur="1200">
+        <p14:prism dir="r"/>
+      </p:transition>
+    </mc:Choice>
+    <mc:Fallback>
+      <p:transition spd="slow">
+        <p:fade/>
+      </p:transition>
+    </mc:Fallback>
+  </mc:AlternateContent>
 </p:sld>
 </file>
 
@@ -4951,6 +4964,18 @@
   <p:clrMapOvr>
     <a:masterClrMapping/>
   </p:clrMapOvr>
+  <mc:AlternateContent xmlns:mc="http://schemas.openxmlformats.org/markup-compatibility/2006">
+    <mc:Choice xmlns:p14="http://schemas.microsoft.com/office/powerpoint/2010/main" Requires="p14">
+      <p:transition spd="slow">
+        <p14:prism/>
+      </p:transition>
+    </mc:Choice>
+    <mc:Fallback>
+      <p:transition spd="slow">
+        <p:fade/>
+      </p:transition>
+    </mc:Fallback>
+  </mc:AlternateContent>
 </p:sld>
 </file>
 
@@ -5566,6 +5591,18 @@
   <p:clrMapOvr>
     <a:masterClrMapping/>
   </p:clrMapOvr>
+  <mc:AlternateContent xmlns:mc="http://schemas.openxmlformats.org/markup-compatibility/2006">
+    <mc:Choice xmlns:p14="http://schemas.microsoft.com/office/powerpoint/2010/main" Requires="p14">
+      <p:transition spd="slow" p14:dur="1200">
+        <p14:prism dir="r"/>
+      </p:transition>
+    </mc:Choice>
+    <mc:Fallback>
+      <p:transition spd="slow">
+        <p:fade/>
+      </p:transition>
+    </mc:Fallback>
+  </mc:AlternateContent>
 </p:sld>
 </file>
 
@@ -5696,6 +5733,18 @@
   <p:clrMapOvr>
     <a:masterClrMapping/>
   </p:clrMapOvr>
+  <mc:AlternateContent xmlns:mc="http://schemas.openxmlformats.org/markup-compatibility/2006">
+    <mc:Choice xmlns:p14="http://schemas.microsoft.com/office/powerpoint/2010/main" Requires="p14">
+      <p:transition spd="slow">
+        <p14:prism/>
+      </p:transition>
+    </mc:Choice>
+    <mc:Fallback>
+      <p:transition spd="slow">
+        <p:fade/>
+      </p:transition>
+    </mc:Fallback>
+  </mc:AlternateContent>
 </p:sld>
 </file>
 
@@ -5856,6 +5905,18 @@
   <p:clrMapOvr>
     <a:masterClrMapping/>
   </p:clrMapOvr>
+  <mc:AlternateContent xmlns:mc="http://schemas.openxmlformats.org/markup-compatibility/2006">
+    <mc:Choice xmlns:p14="http://schemas.microsoft.com/office/powerpoint/2010/main" Requires="p14">
+      <p:transition spd="slow" p14:dur="1200">
+        <p14:prism dir="r"/>
+      </p:transition>
+    </mc:Choice>
+    <mc:Fallback>
+      <p:transition spd="slow">
+        <p:fade/>
+      </p:transition>
+    </mc:Fallback>
+  </mc:AlternateContent>
 </p:sld>
 </file>
 
@@ -5950,6 +6011,18 @@
   <p:clrMapOvr>
     <a:masterClrMapping/>
   </p:clrMapOvr>
+  <mc:AlternateContent xmlns:mc="http://schemas.openxmlformats.org/markup-compatibility/2006">
+    <mc:Choice xmlns:p14="http://schemas.microsoft.com/office/powerpoint/2010/main" Requires="p14">
+      <p:transition spd="slow" p14:dur="1200">
+        <p14:prism/>
+      </p:transition>
+    </mc:Choice>
+    <mc:Fallback>
+      <p:transition spd="slow">
+        <p:fade/>
+      </p:transition>
+    </mc:Fallback>
+  </mc:AlternateContent>
 </p:sld>
 </file>
 

--- a/WORYNMuhely3(1).pptx
+++ b/WORYNMuhely3(1).pptx
@@ -273,7 +273,7 @@
           <a:p>
             <a:fld id="{4CC7B7AA-68A5-4367-9248-FD821E8A2C27}" type="datetimeFigureOut">
               <a:rPr lang="en-US" smtClean="0"/>
-              <a:t>1/16/2026</a:t>
+              <a:t>1/17/2026</a:t>
             </a:fld>
             <a:endParaRPr lang="en-US"/>
           </a:p>
@@ -471,7 +471,7 @@
           <a:p>
             <a:fld id="{4CC7B7AA-68A5-4367-9248-FD821E8A2C27}" type="datetimeFigureOut">
               <a:rPr lang="en-US" smtClean="0"/>
-              <a:t>1/16/2026</a:t>
+              <a:t>1/17/2026</a:t>
             </a:fld>
             <a:endParaRPr lang="en-US"/>
           </a:p>
@@ -679,7 +679,7 @@
           <a:p>
             <a:fld id="{4CC7B7AA-68A5-4367-9248-FD821E8A2C27}" type="datetimeFigureOut">
               <a:rPr lang="en-US" smtClean="0"/>
-              <a:t>1/16/2026</a:t>
+              <a:t>1/17/2026</a:t>
             </a:fld>
             <a:endParaRPr lang="en-US"/>
           </a:p>
@@ -877,7 +877,7 @@
           <a:p>
             <a:fld id="{4CC7B7AA-68A5-4367-9248-FD821E8A2C27}" type="datetimeFigureOut">
               <a:rPr lang="en-US" smtClean="0"/>
-              <a:t>1/16/2026</a:t>
+              <a:t>1/17/2026</a:t>
             </a:fld>
             <a:endParaRPr lang="en-US"/>
           </a:p>
@@ -1152,7 +1152,7 @@
           <a:p>
             <a:fld id="{4CC7B7AA-68A5-4367-9248-FD821E8A2C27}" type="datetimeFigureOut">
               <a:rPr lang="en-US" smtClean="0"/>
-              <a:t>1/16/2026</a:t>
+              <a:t>1/17/2026</a:t>
             </a:fld>
             <a:endParaRPr lang="en-US"/>
           </a:p>
@@ -1417,7 +1417,7 @@
           <a:p>
             <a:fld id="{4CC7B7AA-68A5-4367-9248-FD821E8A2C27}" type="datetimeFigureOut">
               <a:rPr lang="en-US" smtClean="0"/>
-              <a:t>1/16/2026</a:t>
+              <a:t>1/17/2026</a:t>
             </a:fld>
             <a:endParaRPr lang="en-US"/>
           </a:p>
@@ -1829,7 +1829,7 @@
           <a:p>
             <a:fld id="{4CC7B7AA-68A5-4367-9248-FD821E8A2C27}" type="datetimeFigureOut">
               <a:rPr lang="en-US" smtClean="0"/>
-              <a:t>1/16/2026</a:t>
+              <a:t>1/17/2026</a:t>
             </a:fld>
             <a:endParaRPr lang="en-US"/>
           </a:p>
@@ -1970,7 +1970,7 @@
           <a:p>
             <a:fld id="{4CC7B7AA-68A5-4367-9248-FD821E8A2C27}" type="datetimeFigureOut">
               <a:rPr lang="en-US" smtClean="0"/>
-              <a:t>1/16/2026</a:t>
+              <a:t>1/17/2026</a:t>
             </a:fld>
             <a:endParaRPr lang="en-US"/>
           </a:p>
@@ -2083,7 +2083,7 @@
           <a:p>
             <a:fld id="{4CC7B7AA-68A5-4367-9248-FD821E8A2C27}" type="datetimeFigureOut">
               <a:rPr lang="en-US" smtClean="0"/>
-              <a:t>1/16/2026</a:t>
+              <a:t>1/17/2026</a:t>
             </a:fld>
             <a:endParaRPr lang="en-US"/>
           </a:p>
@@ -2394,7 +2394,7 @@
           <a:p>
             <a:fld id="{4CC7B7AA-68A5-4367-9248-FD821E8A2C27}" type="datetimeFigureOut">
               <a:rPr lang="en-US" smtClean="0"/>
-              <a:t>1/16/2026</a:t>
+              <a:t>1/17/2026</a:t>
             </a:fld>
             <a:endParaRPr lang="en-US"/>
           </a:p>
@@ -2682,7 +2682,7 @@
           <a:p>
             <a:fld id="{4CC7B7AA-68A5-4367-9248-FD821E8A2C27}" type="datetimeFigureOut">
               <a:rPr lang="en-US" smtClean="0"/>
-              <a:t>1/16/2026</a:t>
+              <a:t>1/17/2026</a:t>
             </a:fld>
             <a:endParaRPr lang="en-US"/>
           </a:p>
@@ -2923,7 +2923,7 @@
           <a:p>
             <a:fld id="{4CC7B7AA-68A5-4367-9248-FD821E8A2C27}" type="datetimeFigureOut">
               <a:rPr lang="en-US" smtClean="0"/>
-              <a:t>1/16/2026</a:t>
+              <a:t>1/17/2026</a:t>
             </a:fld>
             <a:endParaRPr lang="en-US"/>
           </a:p>
@@ -3483,7 +3483,7 @@
         <p:spPr>
           <a:xfrm>
             <a:off x="1351045" y="2368402"/>
-            <a:ext cx="9489907" cy="2455288"/>
+            <a:ext cx="9489907" cy="2003625"/>
           </a:xfrm>
           <a:prstGeom prst="rect">
             <a:avLst/>
@@ -3507,28 +3507,28 @@
           <a:lstStyle/>
           <a:p>
             <a:r>
-              <a:rPr lang="hu-HU" sz="16600" b="1" dirty="0">
+              <a:rPr lang="hu-HU" sz="13800" b="1" dirty="0">
                 <a:solidFill>
                   <a:srgbClr val="FFF3E7"/>
                 </a:solidFill>
-                <a:latin typeface="Colonna MT" panose="04020805060202030203" pitchFamily="82" charset="0"/>
+                <a:latin typeface="Bookman Old Style" panose="02050604050505020204" pitchFamily="18" charset="0"/>
               </a:rPr>
               <a:t>WORY</a:t>
             </a:r>
             <a:r>
-              <a:rPr lang="en-US" sz="16600" b="1" dirty="0">
+              <a:rPr lang="en-US" sz="13800" b="1" dirty="0">
                 <a:solidFill>
                   <a:srgbClr val="FFF3E7"/>
                 </a:solidFill>
-                <a:latin typeface="Colonna MT" panose="04020805060202030203" pitchFamily="82" charset="0"/>
+                <a:latin typeface="Bookman Old Style" panose="02050604050505020204" pitchFamily="18" charset="0"/>
               </a:rPr>
               <a:t>N</a:t>
             </a:r>
-            <a:endParaRPr lang="hu-HU" sz="16600" b="1" dirty="0">
+            <a:endParaRPr lang="hu-HU" sz="13800" b="1" dirty="0">
               <a:solidFill>
                 <a:srgbClr val="FFF3E7"/>
               </a:solidFill>
-              <a:latin typeface="Colonna MT" panose="04020805060202030203" pitchFamily="82" charset="0"/>
+              <a:latin typeface="Bookman Old Style" panose="02050604050505020204" pitchFamily="18" charset="0"/>
             </a:endParaRPr>
           </a:p>
         </p:txBody>
@@ -3543,13 +3543,13 @@
   <p:clrMapOvr>
     <a:masterClrMapping/>
   </p:clrMapOvr>
-  <mc:AlternateContent xmlns:mc="http://schemas.openxmlformats.org/markup-compatibility/2006">
-    <mc:Choice xmlns:p14="http://schemas.microsoft.com/office/powerpoint/2010/main" Requires="p14">
+  <mc:AlternateContent xmlns:mc="http://schemas.openxmlformats.org/markup-compatibility/2006" xmlns:p14="http://schemas.microsoft.com/office/powerpoint/2010/main">
+    <mc:Choice Requires="p14">
       <p:transition spd="slow" p14:dur="1200">
         <p14:prism dir="r"/>
       </p:transition>
     </mc:Choice>
-    <mc:Fallback>
+    <mc:Fallback xmlns="">
       <p:transition spd="slow">
         <p:fade/>
       </p:transition>
@@ -4390,7 +4390,7 @@
         <p:spPr>
           <a:xfrm>
             <a:off x="237678" y="169420"/>
-            <a:ext cx="11751121" cy="1323439"/>
+            <a:ext cx="11751121" cy="1200329"/>
           </a:xfrm>
           <a:prstGeom prst="rect">
             <a:avLst/>
@@ -4408,11 +4408,11 @@
           <a:p>
             <a:pPr algn="ctr"/>
             <a:r>
-              <a:rPr lang="hu-HU" sz="8000" b="1" dirty="0">
+              <a:rPr lang="hu-HU" sz="7200" b="1" dirty="0">
                 <a:solidFill>
                   <a:schemeClr val="bg1"/>
                 </a:solidFill>
-                <a:latin typeface="Colonna MT" panose="04020805060202030203" pitchFamily="82" charset="0"/>
+                <a:latin typeface="Bookman Old Style" panose="02050604050505020204" pitchFamily="18" charset="0"/>
               </a:rPr>
               <a:t>Terveink</a:t>
             </a:r>
@@ -4964,13 +4964,13 @@
   <p:clrMapOvr>
     <a:masterClrMapping/>
   </p:clrMapOvr>
-  <mc:AlternateContent xmlns:mc="http://schemas.openxmlformats.org/markup-compatibility/2006">
-    <mc:Choice xmlns:p14="http://schemas.microsoft.com/office/powerpoint/2010/main" Requires="p14">
+  <mc:AlternateContent xmlns:mc="http://schemas.openxmlformats.org/markup-compatibility/2006" xmlns:p14="http://schemas.microsoft.com/office/powerpoint/2010/main">
+    <mc:Choice Requires="p14">
       <p:transition spd="slow">
         <p14:prism/>
       </p:transition>
     </mc:Choice>
-    <mc:Fallback>
+    <mc:Fallback xmlns="">
       <p:transition spd="slow">
         <p:fade/>
       </p:transition>
@@ -5031,7 +5031,7 @@
         <p:spPr>
           <a:xfrm>
             <a:off x="237678" y="169420"/>
-            <a:ext cx="11751121" cy="1323439"/>
+            <a:ext cx="11751121" cy="1200329"/>
           </a:xfrm>
           <a:prstGeom prst="rect">
             <a:avLst/>
@@ -5049,11 +5049,11 @@
           <a:p>
             <a:pPr algn="ctr"/>
             <a:r>
-              <a:rPr lang="hu-HU" sz="8000" b="1" dirty="0">
+              <a:rPr lang="hu-HU" sz="7200" b="1" dirty="0">
                 <a:solidFill>
                   <a:schemeClr val="bg1"/>
                 </a:solidFill>
-                <a:latin typeface="Colonna MT" panose="04020805060202030203" pitchFamily="82" charset="0"/>
+                <a:latin typeface="Bookman Old Style" panose="02050604050505020204" pitchFamily="18" charset="0"/>
               </a:rPr>
               <a:t>Terveink</a:t>
             </a:r>
@@ -5591,13 +5591,13 @@
   <p:clrMapOvr>
     <a:masterClrMapping/>
   </p:clrMapOvr>
-  <mc:AlternateContent xmlns:mc="http://schemas.openxmlformats.org/markup-compatibility/2006">
-    <mc:Choice xmlns:p14="http://schemas.microsoft.com/office/powerpoint/2010/main" Requires="p14">
+  <mc:AlternateContent xmlns:mc="http://schemas.openxmlformats.org/markup-compatibility/2006" xmlns:p14="http://schemas.microsoft.com/office/powerpoint/2010/main">
+    <mc:Choice Requires="p14">
       <p:transition spd="slow" p14:dur="1200">
         <p14:prism dir="r"/>
       </p:transition>
     </mc:Choice>
-    <mc:Fallback>
+    <mc:Fallback xmlns="">
       <p:transition spd="slow">
         <p:fade/>
       </p:transition>
@@ -5680,7 +5680,7 @@
                 <a:solidFill>
                   <a:schemeClr val="bg1"/>
                 </a:solidFill>
-                <a:latin typeface="Colonna MT" panose="04020805060202030203" pitchFamily="82" charset="0"/>
+                <a:latin typeface="Bookman Old Style" panose="02050604050505020204" pitchFamily="18" charset="0"/>
               </a:rPr>
               <a:t>Trello</a:t>
             </a:r>
@@ -5688,7 +5688,7 @@
               <a:solidFill>
                 <a:schemeClr val="bg1"/>
               </a:solidFill>
-              <a:latin typeface="Colonna MT" panose="04020805060202030203" pitchFamily="82" charset="0"/>
+              <a:latin typeface="Bookman Old Style" panose="02050604050505020204" pitchFamily="18" charset="0"/>
             </a:endParaRPr>
           </a:p>
         </p:txBody>
@@ -5733,13 +5733,13 @@
   <p:clrMapOvr>
     <a:masterClrMapping/>
   </p:clrMapOvr>
-  <mc:AlternateContent xmlns:mc="http://schemas.openxmlformats.org/markup-compatibility/2006">
-    <mc:Choice xmlns:p14="http://schemas.microsoft.com/office/powerpoint/2010/main" Requires="p14">
+  <mc:AlternateContent xmlns:mc="http://schemas.openxmlformats.org/markup-compatibility/2006" xmlns:p14="http://schemas.microsoft.com/office/powerpoint/2010/main">
+    <mc:Choice Requires="p14">
       <p:transition spd="slow">
         <p14:prism/>
       </p:transition>
     </mc:Choice>
-    <mc:Fallback>
+    <mc:Fallback xmlns="">
       <p:transition spd="slow">
         <p:fade/>
       </p:transition>
@@ -5800,7 +5800,7 @@
         <p:spPr>
           <a:xfrm>
             <a:off x="237678" y="169420"/>
-            <a:ext cx="11801921" cy="1107996"/>
+            <a:ext cx="11801921" cy="923330"/>
           </a:xfrm>
           <a:prstGeom prst="rect">
             <a:avLst/>
@@ -5818,19 +5818,19 @@
           <a:p>
             <a:pPr algn="ctr"/>
             <a:r>
-              <a:rPr lang="en-US" sz="6600" b="1" dirty="0" err="1">
+              <a:rPr lang="en-US" sz="5400" b="1" dirty="0" err="1">
                 <a:solidFill>
                   <a:schemeClr val="bg1"/>
                 </a:solidFill>
-                <a:latin typeface="Colonna MT" panose="04020805060202030203" pitchFamily="82" charset="0"/>
+                <a:latin typeface="Bookman Old Style" panose="02050604050505020204" pitchFamily="18" charset="0"/>
               </a:rPr>
               <a:t>Github</a:t>
             </a:r>
-            <a:endParaRPr lang="hu-HU" sz="6600" b="1" dirty="0">
+            <a:endParaRPr lang="hu-HU" sz="5400" b="1" dirty="0">
               <a:solidFill>
                 <a:schemeClr val="bg1"/>
               </a:solidFill>
-              <a:latin typeface="Colonna MT" panose="04020805060202030203" pitchFamily="82" charset="0"/>
+              <a:latin typeface="Bookman Old Style" panose="02050604050505020204" pitchFamily="18" charset="0"/>
             </a:endParaRPr>
           </a:p>
         </p:txBody>
@@ -5905,13 +5905,13 @@
   <p:clrMapOvr>
     <a:masterClrMapping/>
   </p:clrMapOvr>
-  <mc:AlternateContent xmlns:mc="http://schemas.openxmlformats.org/markup-compatibility/2006">
-    <mc:Choice xmlns:p14="http://schemas.microsoft.com/office/powerpoint/2010/main" Requires="p14">
+  <mc:AlternateContent xmlns:mc="http://schemas.openxmlformats.org/markup-compatibility/2006" xmlns:p14="http://schemas.microsoft.com/office/powerpoint/2010/main">
+    <mc:Choice Requires="p14">
       <p:transition spd="slow" p14:dur="1200">
         <p14:prism dir="r"/>
       </p:transition>
     </mc:Choice>
-    <mc:Fallback>
+    <mc:Fallback xmlns="">
       <p:transition spd="slow">
         <p:fade/>
       </p:transition>
@@ -5972,7 +5972,7 @@
         <p:spPr>
           <a:xfrm>
             <a:off x="1487523" y="1851645"/>
-            <a:ext cx="9216953" cy="3154710"/>
+            <a:ext cx="9216953" cy="2646878"/>
           </a:xfrm>
           <a:prstGeom prst="rect">
             <a:avLst/>
@@ -5990,11 +5990,11 @@
           <a:p>
             <a:pPr algn="ctr"/>
             <a:r>
-              <a:rPr lang="hu-HU" sz="19900" b="1" dirty="0">
+              <a:rPr lang="hu-HU" sz="16600" b="1" dirty="0">
                 <a:solidFill>
                   <a:schemeClr val="bg1"/>
                 </a:solidFill>
-                <a:latin typeface="Colonna MT" panose="04020805060202030203" pitchFamily="82" charset="0"/>
+                <a:latin typeface="Bookman Old Style" panose="02050604050505020204" pitchFamily="18" charset="0"/>
               </a:rPr>
               <a:t>GODOT</a:t>
             </a:r>
@@ -6011,13 +6011,13 @@
   <p:clrMapOvr>
     <a:masterClrMapping/>
   </p:clrMapOvr>
-  <mc:AlternateContent xmlns:mc="http://schemas.openxmlformats.org/markup-compatibility/2006">
-    <mc:Choice xmlns:p14="http://schemas.microsoft.com/office/powerpoint/2010/main" Requires="p14">
+  <mc:AlternateContent xmlns:mc="http://schemas.openxmlformats.org/markup-compatibility/2006" xmlns:p14="http://schemas.microsoft.com/office/powerpoint/2010/main">
+    <mc:Choice Requires="p14">
       <p:transition spd="slow" p14:dur="1200">
         <p14:prism/>
       </p:transition>
     </mc:Choice>
-    <mc:Fallback>
+    <mc:Fallback xmlns="">
       <p:transition spd="slow">
         <p:fade/>
       </p:transition>
